--- a/presentation/marihacks2019-presentation-withnotes.pptx
+++ b/presentation/marihacks2019-presentation-withnotes.pptx
@@ -248,7 +248,7 @@
           <a:p>
             <a:fld id="{FE5B4EDC-59C0-49C7-8ADA-5A781B329E02}" type="datetimeFigureOut">
               <a:rPr lang="en-US"/>
-              <a:t>2/28/2019</a:t>
+              <a:t>3/2/2019</a:t>
             </a:fld>
             <a:endParaRPr/>
           </a:p>
@@ -413,7 +413,7 @@
           <a:p>
             <a:fld id="{F2D8D46A-B586-417D-BFBD-8C8FE0AAF762}" type="datetimeFigureOut">
               <a:rPr lang="en-US"/>
-              <a:t>2/28/2019</a:t>
+              <a:t>3/2/2019</a:t>
             </a:fld>
             <a:endParaRPr/>
           </a:p>
@@ -1882,7 +1882,7 @@
           <a:p>
             <a:fld id="{F0DFD029-FB74-4578-B929-F66AA97659CA}" type="datetimeFigureOut">
               <a:rPr lang="en-US"/>
-              <a:t>2/28/2019</a:t>
+              <a:t>3/2/2019</a:t>
             </a:fld>
             <a:endParaRPr/>
           </a:p>
@@ -2080,7 +2080,7 @@
           <a:p>
             <a:fld id="{F0DFD029-FB74-4578-B929-F66AA97659CA}" type="datetimeFigureOut">
               <a:rPr lang="en-US"/>
-              <a:t>2/28/2019</a:t>
+              <a:t>3/2/2019</a:t>
             </a:fld>
             <a:endParaRPr/>
           </a:p>
@@ -2288,7 +2288,7 @@
           <a:p>
             <a:fld id="{F0DFD029-FB74-4578-B929-F66AA97659CA}" type="datetimeFigureOut">
               <a:rPr lang="en-US"/>
-              <a:t>2/28/2019</a:t>
+              <a:t>3/2/2019</a:t>
             </a:fld>
             <a:endParaRPr/>
           </a:p>
@@ -2486,7 +2486,7 @@
           <a:p>
             <a:fld id="{F0DFD029-FB74-4578-B929-F66AA97659CA}" type="datetimeFigureOut">
               <a:rPr lang="en-US"/>
-              <a:t>2/28/2019</a:t>
+              <a:t>3/2/2019</a:t>
             </a:fld>
             <a:endParaRPr/>
           </a:p>
@@ -2918,7 +2918,7 @@
           <a:p>
             <a:fld id="{F0DFD029-FB74-4578-B929-F66AA97659CA}" type="datetimeFigureOut">
               <a:rPr lang="en-US"/>
-              <a:t>2/28/2019</a:t>
+              <a:t>3/2/2019</a:t>
             </a:fld>
             <a:endParaRPr/>
           </a:p>
@@ -3222,7 +3222,7 @@
           <a:p>
             <a:fld id="{F0DFD029-FB74-4578-B929-F66AA97659CA}" type="datetimeFigureOut">
               <a:rPr lang="en-US"/>
-              <a:t>2/28/2019</a:t>
+              <a:t>3/2/2019</a:t>
             </a:fld>
             <a:endParaRPr/>
           </a:p>
@@ -3678,7 +3678,7 @@
           <a:p>
             <a:fld id="{F0DFD029-FB74-4578-B929-F66AA97659CA}" type="datetimeFigureOut">
               <a:rPr lang="en-US"/>
-              <a:t>2/28/2019</a:t>
+              <a:t>3/2/2019</a:t>
             </a:fld>
             <a:endParaRPr/>
           </a:p>
@@ -3808,7 +3808,7 @@
           <a:p>
             <a:fld id="{F0DFD029-FB74-4578-B929-F66AA97659CA}" type="datetimeFigureOut">
               <a:rPr lang="en-US"/>
-              <a:t>2/28/2019</a:t>
+              <a:t>3/2/2019</a:t>
             </a:fld>
             <a:endParaRPr/>
           </a:p>
@@ -3915,7 +3915,7 @@
           <a:p>
             <a:fld id="{F0DFD029-FB74-4578-B929-F66AA97659CA}" type="datetimeFigureOut">
               <a:rPr lang="en-US"/>
-              <a:t>2/28/2019</a:t>
+              <a:t>3/2/2019</a:t>
             </a:fld>
             <a:endParaRPr/>
           </a:p>
@@ -4214,7 +4214,7 @@
           <a:p>
             <a:fld id="{F0DFD029-FB74-4578-B929-F66AA97659CA}" type="datetimeFigureOut">
               <a:rPr lang="en-US"/>
-              <a:t>2/28/2019</a:t>
+              <a:t>3/2/2019</a:t>
             </a:fld>
             <a:endParaRPr/>
           </a:p>
@@ -4502,7 +4502,7 @@
           <a:p>
             <a:fld id="{F0DFD029-FB74-4578-B929-F66AA97659CA}" type="datetimeFigureOut">
               <a:rPr lang="en-US"/>
-              <a:t>2/28/2019</a:t>
+              <a:t>3/2/2019</a:t>
             </a:fld>
             <a:endParaRPr/>
           </a:p>
@@ -5125,7 +5125,7 @@
             <a:fld id="{F0DFD029-FB74-4578-B929-F66AA97659CA}" type="datetimeFigureOut">
               <a:rPr lang="en-US"/>
               <a:pPr/>
-              <a:t>2/28/2019</a:t>
+              <a:t>3/2/2019</a:t>
             </a:fld>
             <a:endParaRPr/>
           </a:p>
@@ -5786,7 +5786,7 @@
             </a:pPr>
             <a:r>
               <a:rPr lang="en-CA" dirty="0"/>
-              <a:t>I will teach you how to learn to code.</a:t>
+              <a:t>I will go fast, but I will teach you how to learn.</a:t>
             </a:r>
           </a:p>
           <a:p>
@@ -7851,8 +7851,13 @@
           <a:p>
             <a:r>
               <a:rPr lang="en-CA" dirty="0"/>
-              <a:t>Let’s build a riddle game!</a:t>
-            </a:r>
+              <a:t>Let’s build </a:t>
+            </a:r>
+            <a:r>
+              <a:rPr lang="en-CA"/>
+              <a:t>a riddle game!</a:t>
+            </a:r>
+            <a:endParaRPr lang="en-CA" dirty="0"/>
           </a:p>
         </p:txBody>
       </p:sp>
@@ -7933,7 +7938,7 @@
             </a:pPr>
             <a:r>
               <a:rPr lang="en-CA" dirty="0"/>
-              <a:t>They can see all the other responses from past entries.</a:t>
+              <a:t>Computer shows past user attempts at the riddle.</a:t>
             </a:r>
           </a:p>
         </p:txBody>
@@ -12287,6 +12292,142 @@
 </file>
 
 <file path=customXml/item1.xml><?xml version="1.0" encoding="utf-8"?>
+<p:properties xmlns:p="http://schemas.microsoft.com/office/2006/metadata/properties" xmlns:xsi="http://www.w3.org/2001/XMLSchema-instance" xmlns:pc="http://schemas.microsoft.com/office/infopath/2007/PartnerControls">
+  <documentManagement>
+    <LocPublishedLinkedAssetsLookup xmlns="4873beb7-5857-4685-be1f-d57550cc96cc" xsi:nil="true"/>
+    <ApprovalStatus xmlns="4873beb7-5857-4685-be1f-d57550cc96cc">InProgress</ApprovalStatus>
+    <MarketSpecific xmlns="4873beb7-5857-4685-be1f-d57550cc96cc">false</MarketSpecific>
+    <LocComments xmlns="4873beb7-5857-4685-be1f-d57550cc96cc" xsi:nil="true"/>
+    <LocLastLocAttemptVersionTypeLookup xmlns="4873beb7-5857-4685-be1f-d57550cc96cc" xsi:nil="true"/>
+    <DirectSourceMarket xmlns="4873beb7-5857-4685-be1f-d57550cc96cc" xsi:nil="true"/>
+    <ThumbnailAssetId xmlns="4873beb7-5857-4685-be1f-d57550cc96cc" xsi:nil="true"/>
+    <PrimaryImageGen xmlns="4873beb7-5857-4685-be1f-d57550cc96cc">false</PrimaryImageGen>
+    <LocNewPublishedVersionLookup xmlns="4873beb7-5857-4685-be1f-d57550cc96cc" xsi:nil="true"/>
+    <LegacyData xmlns="4873beb7-5857-4685-be1f-d57550cc96cc" xsi:nil="true"/>
+    <LocRecommendedHandoff xmlns="4873beb7-5857-4685-be1f-d57550cc96cc" xsi:nil="true"/>
+    <BusinessGroup xmlns="4873beb7-5857-4685-be1f-d57550cc96cc" xsi:nil="true"/>
+    <BlockPublish xmlns="4873beb7-5857-4685-be1f-d57550cc96cc">false</BlockPublish>
+    <TPFriendlyName xmlns="4873beb7-5857-4685-be1f-d57550cc96cc" xsi:nil="true"/>
+    <LocOverallPublishStatusLookup xmlns="4873beb7-5857-4685-be1f-d57550cc96cc" xsi:nil="true"/>
+    <NumericId xmlns="4873beb7-5857-4685-be1f-d57550cc96cc" xsi:nil="true"/>
+    <APEditor xmlns="4873beb7-5857-4685-be1f-d57550cc96cc">
+      <UserInfo>
+        <DisplayName/>
+        <AccountId xsi:nil="true"/>
+        <AccountType/>
+      </UserInfo>
+    </APEditor>
+    <SourceTitle xmlns="4873beb7-5857-4685-be1f-d57550cc96cc" xsi:nil="true"/>
+    <OpenTemplate xmlns="4873beb7-5857-4685-be1f-d57550cc96cc">true</OpenTemplate>
+    <LocOverallLocStatusLookup xmlns="4873beb7-5857-4685-be1f-d57550cc96cc" xsi:nil="true"/>
+    <UALocComments xmlns="4873beb7-5857-4685-be1f-d57550cc96cc" xsi:nil="true"/>
+    <ParentAssetId xmlns="4873beb7-5857-4685-be1f-d57550cc96cc" xsi:nil="true"/>
+    <IntlLangReviewDate xmlns="4873beb7-5857-4685-be1f-d57550cc96cc" xsi:nil="true"/>
+    <FeatureTagsTaxHTField0 xmlns="4873beb7-5857-4685-be1f-d57550cc96cc">
+      <Terms xmlns="http://schemas.microsoft.com/office/infopath/2007/PartnerControls"/>
+    </FeatureTagsTaxHTField0>
+    <PublishStatusLookup xmlns="4873beb7-5857-4685-be1f-d57550cc96cc">
+      <Value>1345093</Value>
+    </PublishStatusLookup>
+    <Providers xmlns="4873beb7-5857-4685-be1f-d57550cc96cc" xsi:nil="true"/>
+    <MachineTranslated xmlns="4873beb7-5857-4685-be1f-d57550cc96cc">false</MachineTranslated>
+    <OriginalSourceMarket xmlns="4873beb7-5857-4685-be1f-d57550cc96cc" xsi:nil="true"/>
+    <APDescription xmlns="4873beb7-5857-4685-be1f-d57550cc96cc">This simple template design works for technology and  businesses, but it's versatile enough to use in other contexts.  It features multiple slide layouts designed for widescreen (16x9 resolution) and includes a sample SmartArt list and chart that are easily editable.</APDescription>
+    <ClipArtFilename xmlns="4873beb7-5857-4685-be1f-d57550cc96cc" xsi:nil="true"/>
+    <ContentItem xmlns="4873beb7-5857-4685-be1f-d57550cc96cc" xsi:nil="true"/>
+    <TPInstallLocation xmlns="4873beb7-5857-4685-be1f-d57550cc96cc" xsi:nil="true"/>
+    <PublishTargets xmlns="4873beb7-5857-4685-be1f-d57550cc96cc">OfficeOnlineVNext</PublishTargets>
+    <TimesCloned xmlns="4873beb7-5857-4685-be1f-d57550cc96cc" xsi:nil="true"/>
+    <AssetStart xmlns="4873beb7-5857-4685-be1f-d57550cc96cc">2011-11-26T00:30:00+00:00</AssetStart>
+    <Provider xmlns="4873beb7-5857-4685-be1f-d57550cc96cc" xsi:nil="true"/>
+    <AcquiredFrom xmlns="4873beb7-5857-4685-be1f-d57550cc96cc">Internal MS</AcquiredFrom>
+    <FriendlyTitle xmlns="4873beb7-5857-4685-be1f-d57550cc96cc" xsi:nil="true"/>
+    <LastHandOff xmlns="4873beb7-5857-4685-be1f-d57550cc96cc" xsi:nil="true"/>
+    <TPClientViewer xmlns="4873beb7-5857-4685-be1f-d57550cc96cc" xsi:nil="true"/>
+    <TemplateStatus xmlns="4873beb7-5857-4685-be1f-d57550cc96cc">Complete</TemplateStatus>
+    <Downloads xmlns="4873beb7-5857-4685-be1f-d57550cc96cc">0</Downloads>
+    <OOCacheId xmlns="4873beb7-5857-4685-be1f-d57550cc96cc" xsi:nil="true"/>
+    <IsDeleted xmlns="4873beb7-5857-4685-be1f-d57550cc96cc">false</IsDeleted>
+    <LocPublishedDependentAssetsLookup xmlns="4873beb7-5857-4685-be1f-d57550cc96cc" xsi:nil="true"/>
+    <TPExecutable xmlns="4873beb7-5857-4685-be1f-d57550cc96cc" xsi:nil="true"/>
+    <EditorialTags xmlns="4873beb7-5857-4685-be1f-d57550cc96cc" xsi:nil="true"/>
+    <SubmitterId xmlns="4873beb7-5857-4685-be1f-d57550cc96cc" xsi:nil="true"/>
+    <ApprovalLog xmlns="4873beb7-5857-4685-be1f-d57550cc96cc" xsi:nil="true"/>
+    <AssetType xmlns="4873beb7-5857-4685-be1f-d57550cc96cc">TP</AssetType>
+    <BugNumber xmlns="4873beb7-5857-4685-be1f-d57550cc96cc" xsi:nil="true"/>
+    <CSXSubmissionDate xmlns="4873beb7-5857-4685-be1f-d57550cc96cc" xsi:nil="true"/>
+    <CSXUpdate xmlns="4873beb7-5857-4685-be1f-d57550cc96cc">false</CSXUpdate>
+    <Milestone xmlns="4873beb7-5857-4685-be1f-d57550cc96cc" xsi:nil="true"/>
+    <RecommendationsModifier xmlns="4873beb7-5857-4685-be1f-d57550cc96cc" xsi:nil="true"/>
+    <OriginAsset xmlns="4873beb7-5857-4685-be1f-d57550cc96cc" xsi:nil="true"/>
+    <TPComponent xmlns="4873beb7-5857-4685-be1f-d57550cc96cc" xsi:nil="true"/>
+    <AssetId xmlns="4873beb7-5857-4685-be1f-d57550cc96cc">TP102787989</AssetId>
+    <IntlLocPriority xmlns="4873beb7-5857-4685-be1f-d57550cc96cc" xsi:nil="true"/>
+    <PolicheckWords xmlns="4873beb7-5857-4685-be1f-d57550cc96cc" xsi:nil="true"/>
+    <TPLaunchHelpLink xmlns="4873beb7-5857-4685-be1f-d57550cc96cc" xsi:nil="true"/>
+    <TPApplication xmlns="4873beb7-5857-4685-be1f-d57550cc96cc" xsi:nil="true"/>
+    <CrawlForDependencies xmlns="4873beb7-5857-4685-be1f-d57550cc96cc">false</CrawlForDependencies>
+    <HandoffToMSDN xmlns="4873beb7-5857-4685-be1f-d57550cc96cc" xsi:nil="true"/>
+    <PlannedPubDate xmlns="4873beb7-5857-4685-be1f-d57550cc96cc" xsi:nil="true"/>
+    <IntlLangReviewer xmlns="4873beb7-5857-4685-be1f-d57550cc96cc" xsi:nil="true"/>
+    <TrustLevel xmlns="4873beb7-5857-4685-be1f-d57550cc96cc">1 Microsoft Managed Content</TrustLevel>
+    <LocLastLocAttemptVersionLookup xmlns="4873beb7-5857-4685-be1f-d57550cc96cc">694266</LocLastLocAttemptVersionLookup>
+    <LocProcessedForHandoffsLookup xmlns="4873beb7-5857-4685-be1f-d57550cc96cc" xsi:nil="true"/>
+    <IsSearchable xmlns="4873beb7-5857-4685-be1f-d57550cc96cc">true</IsSearchable>
+    <TemplateTemplateType xmlns="4873beb7-5857-4685-be1f-d57550cc96cc">PowerPoint Presentation Template</TemplateTemplateType>
+    <CampaignTagsTaxHTField0 xmlns="4873beb7-5857-4685-be1f-d57550cc96cc">
+      <Terms xmlns="http://schemas.microsoft.com/office/infopath/2007/PartnerControls"/>
+    </CampaignTagsTaxHTField0>
+    <TPNamespace xmlns="4873beb7-5857-4685-be1f-d57550cc96cc" xsi:nil="true"/>
+    <LocOverallPreviewStatusLookup xmlns="4873beb7-5857-4685-be1f-d57550cc96cc" xsi:nil="true"/>
+    <TaxCatchAll xmlns="4873beb7-5857-4685-be1f-d57550cc96cc"/>
+    <Markets xmlns="4873beb7-5857-4685-be1f-d57550cc96cc"/>
+    <UAProjectedTotalWords xmlns="4873beb7-5857-4685-be1f-d57550cc96cc" xsi:nil="true"/>
+    <IntlLangReview xmlns="4873beb7-5857-4685-be1f-d57550cc96cc" xsi:nil="true"/>
+    <OutputCachingOn xmlns="4873beb7-5857-4685-be1f-d57550cc96cc">false</OutputCachingOn>
+    <AverageRating xmlns="4873beb7-5857-4685-be1f-d57550cc96cc" xsi:nil="true"/>
+    <APAuthor xmlns="4873beb7-5857-4685-be1f-d57550cc96cc">
+      <UserInfo>
+        <DisplayName>REDMOND\kristaa</DisplayName>
+        <AccountId>136</AccountId>
+        <AccountType/>
+      </UserInfo>
+    </APAuthor>
+    <LocManualTestRequired xmlns="4873beb7-5857-4685-be1f-d57550cc96cc">false</LocManualTestRequired>
+    <TPCommandLine xmlns="4873beb7-5857-4685-be1f-d57550cc96cc" xsi:nil="true"/>
+    <TPAppVersion xmlns="4873beb7-5857-4685-be1f-d57550cc96cc" xsi:nil="true"/>
+    <EditorialStatus xmlns="4873beb7-5857-4685-be1f-d57550cc96cc">Complete</EditorialStatus>
+    <LastModifiedDateTime xmlns="4873beb7-5857-4685-be1f-d57550cc96cc" xsi:nil="true"/>
+    <ScenarioTagsTaxHTField0 xmlns="4873beb7-5857-4685-be1f-d57550cc96cc">
+      <Terms xmlns="http://schemas.microsoft.com/office/infopath/2007/PartnerControls"/>
+    </ScenarioTagsTaxHTField0>
+    <LocProcessedForMarketsLookup xmlns="4873beb7-5857-4685-be1f-d57550cc96cc" xsi:nil="true"/>
+    <TPLaunchHelpLinkType xmlns="4873beb7-5857-4685-be1f-d57550cc96cc">Template</TPLaunchHelpLinkType>
+    <OriginalRelease xmlns="4873beb7-5857-4685-be1f-d57550cc96cc">15</OriginalRelease>
+    <LocalizationTagsTaxHTField0 xmlns="4873beb7-5857-4685-be1f-d57550cc96cc">
+      <Terms xmlns="http://schemas.microsoft.com/office/infopath/2007/PartnerControls"/>
+    </LocalizationTagsTaxHTField0>
+    <UACurrentWords xmlns="4873beb7-5857-4685-be1f-d57550cc96cc" xsi:nil="true"/>
+    <ArtSampleDocs xmlns="4873beb7-5857-4685-be1f-d57550cc96cc" xsi:nil="true"/>
+    <UALocRecommendation xmlns="4873beb7-5857-4685-be1f-d57550cc96cc">Localize</UALocRecommendation>
+    <Manager xmlns="4873beb7-5857-4685-be1f-d57550cc96cc" xsi:nil="true"/>
+    <LocOverallHandbackStatusLookup xmlns="4873beb7-5857-4685-be1f-d57550cc96cc" xsi:nil="true"/>
+    <ShowIn xmlns="4873beb7-5857-4685-be1f-d57550cc96cc">Show everywhere</ShowIn>
+    <UANotes xmlns="4873beb7-5857-4685-be1f-d57550cc96cc" xsi:nil="true"/>
+    <InternalTagsTaxHTField0 xmlns="4873beb7-5857-4685-be1f-d57550cc96cc">
+      <Terms xmlns="http://schemas.microsoft.com/office/infopath/2007/PartnerControls"/>
+    </InternalTagsTaxHTField0>
+    <CSXHash xmlns="4873beb7-5857-4685-be1f-d57550cc96cc" xsi:nil="true"/>
+    <VoteCount xmlns="4873beb7-5857-4685-be1f-d57550cc96cc" xsi:nil="true"/>
+    <AssetExpire xmlns="4873beb7-5857-4685-be1f-d57550cc96cc">2029-05-12T07:00:00+00:00</AssetExpire>
+    <DSATActionTaken xmlns="4873beb7-5857-4685-be1f-d57550cc96cc" xsi:nil="true"/>
+    <CSXSubmissionMarket xmlns="4873beb7-5857-4685-be1f-d57550cc96cc" xsi:nil="true"/>
+    <LocMarketGroupTiers2 xmlns="4873beb7-5857-4685-be1f-d57550cc96cc" xsi:nil="true"/>
+  </documentManagement>
+</p:properties>
+</file>
+
+<file path=customXml/item2.xml><?xml version="1.0" encoding="utf-8"?>
 <ct:contentTypeSchema xmlns:ct="http://schemas.microsoft.com/office/2006/metadata/contentType" xmlns:ma="http://schemas.microsoft.com/office/2006/metadata/properties/metaAttributes" ct:_="" ma:_="" ma:contentTypeName="TemplateFile" ma:contentTypeID="0x0101006EDDDB5EE6D98C44930B742096920B300400F5B6D36B3EF94B4E9A635CDF2A18F5B8" ma:contentTypeVersion="72" ma:contentTypeDescription="Create a new document." ma:contentTypeScope="" ma:versionID="a23e56308344d904b51738559c3d67c9">
   <xsd:schema xmlns:xsd="http://www.w3.org/2001/XMLSchema" xmlns:xs="http://www.w3.org/2001/XMLSchema" xmlns:p="http://schemas.microsoft.com/office/2006/metadata/properties" xmlns:ns2="4873beb7-5857-4685-be1f-d57550cc96cc" targetNamespace="http://schemas.microsoft.com/office/2006/metadata/properties" ma:root="true" ma:fieldsID="cd0908cc4600e77bf5da051303e00c8d" ns2:_="">
     <xsd:import namespace="4873beb7-5857-4685-be1f-d57550cc96cc"/>
@@ -13326,142 +13467,6 @@
 </ct:contentTypeSchema>
 </file>
 
-<file path=customXml/item2.xml><?xml version="1.0" encoding="utf-8"?>
-<p:properties xmlns:p="http://schemas.microsoft.com/office/2006/metadata/properties" xmlns:xsi="http://www.w3.org/2001/XMLSchema-instance" xmlns:pc="http://schemas.microsoft.com/office/infopath/2007/PartnerControls">
-  <documentManagement>
-    <LocPublishedLinkedAssetsLookup xmlns="4873beb7-5857-4685-be1f-d57550cc96cc" xsi:nil="true"/>
-    <ApprovalStatus xmlns="4873beb7-5857-4685-be1f-d57550cc96cc">InProgress</ApprovalStatus>
-    <MarketSpecific xmlns="4873beb7-5857-4685-be1f-d57550cc96cc">false</MarketSpecific>
-    <LocComments xmlns="4873beb7-5857-4685-be1f-d57550cc96cc" xsi:nil="true"/>
-    <LocLastLocAttemptVersionTypeLookup xmlns="4873beb7-5857-4685-be1f-d57550cc96cc" xsi:nil="true"/>
-    <DirectSourceMarket xmlns="4873beb7-5857-4685-be1f-d57550cc96cc" xsi:nil="true"/>
-    <ThumbnailAssetId xmlns="4873beb7-5857-4685-be1f-d57550cc96cc" xsi:nil="true"/>
-    <PrimaryImageGen xmlns="4873beb7-5857-4685-be1f-d57550cc96cc">false</PrimaryImageGen>
-    <LocNewPublishedVersionLookup xmlns="4873beb7-5857-4685-be1f-d57550cc96cc" xsi:nil="true"/>
-    <LegacyData xmlns="4873beb7-5857-4685-be1f-d57550cc96cc" xsi:nil="true"/>
-    <LocRecommendedHandoff xmlns="4873beb7-5857-4685-be1f-d57550cc96cc" xsi:nil="true"/>
-    <BusinessGroup xmlns="4873beb7-5857-4685-be1f-d57550cc96cc" xsi:nil="true"/>
-    <BlockPublish xmlns="4873beb7-5857-4685-be1f-d57550cc96cc">false</BlockPublish>
-    <TPFriendlyName xmlns="4873beb7-5857-4685-be1f-d57550cc96cc" xsi:nil="true"/>
-    <LocOverallPublishStatusLookup xmlns="4873beb7-5857-4685-be1f-d57550cc96cc" xsi:nil="true"/>
-    <NumericId xmlns="4873beb7-5857-4685-be1f-d57550cc96cc" xsi:nil="true"/>
-    <APEditor xmlns="4873beb7-5857-4685-be1f-d57550cc96cc">
-      <UserInfo>
-        <DisplayName/>
-        <AccountId xsi:nil="true"/>
-        <AccountType/>
-      </UserInfo>
-    </APEditor>
-    <SourceTitle xmlns="4873beb7-5857-4685-be1f-d57550cc96cc" xsi:nil="true"/>
-    <OpenTemplate xmlns="4873beb7-5857-4685-be1f-d57550cc96cc">true</OpenTemplate>
-    <LocOverallLocStatusLookup xmlns="4873beb7-5857-4685-be1f-d57550cc96cc" xsi:nil="true"/>
-    <UALocComments xmlns="4873beb7-5857-4685-be1f-d57550cc96cc" xsi:nil="true"/>
-    <ParentAssetId xmlns="4873beb7-5857-4685-be1f-d57550cc96cc" xsi:nil="true"/>
-    <IntlLangReviewDate xmlns="4873beb7-5857-4685-be1f-d57550cc96cc" xsi:nil="true"/>
-    <FeatureTagsTaxHTField0 xmlns="4873beb7-5857-4685-be1f-d57550cc96cc">
-      <Terms xmlns="http://schemas.microsoft.com/office/infopath/2007/PartnerControls"/>
-    </FeatureTagsTaxHTField0>
-    <PublishStatusLookup xmlns="4873beb7-5857-4685-be1f-d57550cc96cc">
-      <Value>1345093</Value>
-    </PublishStatusLookup>
-    <Providers xmlns="4873beb7-5857-4685-be1f-d57550cc96cc" xsi:nil="true"/>
-    <MachineTranslated xmlns="4873beb7-5857-4685-be1f-d57550cc96cc">false</MachineTranslated>
-    <OriginalSourceMarket xmlns="4873beb7-5857-4685-be1f-d57550cc96cc" xsi:nil="true"/>
-    <APDescription xmlns="4873beb7-5857-4685-be1f-d57550cc96cc">This simple template design works for technology and  businesses, but it's versatile enough to use in other contexts.  It features multiple slide layouts designed for widescreen (16x9 resolution) and includes a sample SmartArt list and chart that are easily editable.</APDescription>
-    <ClipArtFilename xmlns="4873beb7-5857-4685-be1f-d57550cc96cc" xsi:nil="true"/>
-    <ContentItem xmlns="4873beb7-5857-4685-be1f-d57550cc96cc" xsi:nil="true"/>
-    <TPInstallLocation xmlns="4873beb7-5857-4685-be1f-d57550cc96cc" xsi:nil="true"/>
-    <PublishTargets xmlns="4873beb7-5857-4685-be1f-d57550cc96cc">OfficeOnlineVNext</PublishTargets>
-    <TimesCloned xmlns="4873beb7-5857-4685-be1f-d57550cc96cc" xsi:nil="true"/>
-    <AssetStart xmlns="4873beb7-5857-4685-be1f-d57550cc96cc">2011-11-26T00:30:00+00:00</AssetStart>
-    <Provider xmlns="4873beb7-5857-4685-be1f-d57550cc96cc" xsi:nil="true"/>
-    <AcquiredFrom xmlns="4873beb7-5857-4685-be1f-d57550cc96cc">Internal MS</AcquiredFrom>
-    <FriendlyTitle xmlns="4873beb7-5857-4685-be1f-d57550cc96cc" xsi:nil="true"/>
-    <LastHandOff xmlns="4873beb7-5857-4685-be1f-d57550cc96cc" xsi:nil="true"/>
-    <TPClientViewer xmlns="4873beb7-5857-4685-be1f-d57550cc96cc" xsi:nil="true"/>
-    <TemplateStatus xmlns="4873beb7-5857-4685-be1f-d57550cc96cc">Complete</TemplateStatus>
-    <Downloads xmlns="4873beb7-5857-4685-be1f-d57550cc96cc">0</Downloads>
-    <OOCacheId xmlns="4873beb7-5857-4685-be1f-d57550cc96cc" xsi:nil="true"/>
-    <IsDeleted xmlns="4873beb7-5857-4685-be1f-d57550cc96cc">false</IsDeleted>
-    <LocPublishedDependentAssetsLookup xmlns="4873beb7-5857-4685-be1f-d57550cc96cc" xsi:nil="true"/>
-    <TPExecutable xmlns="4873beb7-5857-4685-be1f-d57550cc96cc" xsi:nil="true"/>
-    <EditorialTags xmlns="4873beb7-5857-4685-be1f-d57550cc96cc" xsi:nil="true"/>
-    <SubmitterId xmlns="4873beb7-5857-4685-be1f-d57550cc96cc" xsi:nil="true"/>
-    <ApprovalLog xmlns="4873beb7-5857-4685-be1f-d57550cc96cc" xsi:nil="true"/>
-    <AssetType xmlns="4873beb7-5857-4685-be1f-d57550cc96cc">TP</AssetType>
-    <BugNumber xmlns="4873beb7-5857-4685-be1f-d57550cc96cc" xsi:nil="true"/>
-    <CSXSubmissionDate xmlns="4873beb7-5857-4685-be1f-d57550cc96cc" xsi:nil="true"/>
-    <CSXUpdate xmlns="4873beb7-5857-4685-be1f-d57550cc96cc">false</CSXUpdate>
-    <Milestone xmlns="4873beb7-5857-4685-be1f-d57550cc96cc" xsi:nil="true"/>
-    <RecommendationsModifier xmlns="4873beb7-5857-4685-be1f-d57550cc96cc" xsi:nil="true"/>
-    <OriginAsset xmlns="4873beb7-5857-4685-be1f-d57550cc96cc" xsi:nil="true"/>
-    <TPComponent xmlns="4873beb7-5857-4685-be1f-d57550cc96cc" xsi:nil="true"/>
-    <AssetId xmlns="4873beb7-5857-4685-be1f-d57550cc96cc">TP102787989</AssetId>
-    <IntlLocPriority xmlns="4873beb7-5857-4685-be1f-d57550cc96cc" xsi:nil="true"/>
-    <PolicheckWords xmlns="4873beb7-5857-4685-be1f-d57550cc96cc" xsi:nil="true"/>
-    <TPLaunchHelpLink xmlns="4873beb7-5857-4685-be1f-d57550cc96cc" xsi:nil="true"/>
-    <TPApplication xmlns="4873beb7-5857-4685-be1f-d57550cc96cc" xsi:nil="true"/>
-    <CrawlForDependencies xmlns="4873beb7-5857-4685-be1f-d57550cc96cc">false</CrawlForDependencies>
-    <HandoffToMSDN xmlns="4873beb7-5857-4685-be1f-d57550cc96cc" xsi:nil="true"/>
-    <PlannedPubDate xmlns="4873beb7-5857-4685-be1f-d57550cc96cc" xsi:nil="true"/>
-    <IntlLangReviewer xmlns="4873beb7-5857-4685-be1f-d57550cc96cc" xsi:nil="true"/>
-    <TrustLevel xmlns="4873beb7-5857-4685-be1f-d57550cc96cc">1 Microsoft Managed Content</TrustLevel>
-    <LocLastLocAttemptVersionLookup xmlns="4873beb7-5857-4685-be1f-d57550cc96cc">694266</LocLastLocAttemptVersionLookup>
-    <LocProcessedForHandoffsLookup xmlns="4873beb7-5857-4685-be1f-d57550cc96cc" xsi:nil="true"/>
-    <IsSearchable xmlns="4873beb7-5857-4685-be1f-d57550cc96cc">true</IsSearchable>
-    <TemplateTemplateType xmlns="4873beb7-5857-4685-be1f-d57550cc96cc">PowerPoint Presentation Template</TemplateTemplateType>
-    <CampaignTagsTaxHTField0 xmlns="4873beb7-5857-4685-be1f-d57550cc96cc">
-      <Terms xmlns="http://schemas.microsoft.com/office/infopath/2007/PartnerControls"/>
-    </CampaignTagsTaxHTField0>
-    <TPNamespace xmlns="4873beb7-5857-4685-be1f-d57550cc96cc" xsi:nil="true"/>
-    <LocOverallPreviewStatusLookup xmlns="4873beb7-5857-4685-be1f-d57550cc96cc" xsi:nil="true"/>
-    <TaxCatchAll xmlns="4873beb7-5857-4685-be1f-d57550cc96cc"/>
-    <Markets xmlns="4873beb7-5857-4685-be1f-d57550cc96cc"/>
-    <UAProjectedTotalWords xmlns="4873beb7-5857-4685-be1f-d57550cc96cc" xsi:nil="true"/>
-    <IntlLangReview xmlns="4873beb7-5857-4685-be1f-d57550cc96cc" xsi:nil="true"/>
-    <OutputCachingOn xmlns="4873beb7-5857-4685-be1f-d57550cc96cc">false</OutputCachingOn>
-    <AverageRating xmlns="4873beb7-5857-4685-be1f-d57550cc96cc" xsi:nil="true"/>
-    <APAuthor xmlns="4873beb7-5857-4685-be1f-d57550cc96cc">
-      <UserInfo>
-        <DisplayName>REDMOND\kristaa</DisplayName>
-        <AccountId>136</AccountId>
-        <AccountType/>
-      </UserInfo>
-    </APAuthor>
-    <LocManualTestRequired xmlns="4873beb7-5857-4685-be1f-d57550cc96cc">false</LocManualTestRequired>
-    <TPCommandLine xmlns="4873beb7-5857-4685-be1f-d57550cc96cc" xsi:nil="true"/>
-    <TPAppVersion xmlns="4873beb7-5857-4685-be1f-d57550cc96cc" xsi:nil="true"/>
-    <EditorialStatus xmlns="4873beb7-5857-4685-be1f-d57550cc96cc">Complete</EditorialStatus>
-    <LastModifiedDateTime xmlns="4873beb7-5857-4685-be1f-d57550cc96cc" xsi:nil="true"/>
-    <ScenarioTagsTaxHTField0 xmlns="4873beb7-5857-4685-be1f-d57550cc96cc">
-      <Terms xmlns="http://schemas.microsoft.com/office/infopath/2007/PartnerControls"/>
-    </ScenarioTagsTaxHTField0>
-    <LocProcessedForMarketsLookup xmlns="4873beb7-5857-4685-be1f-d57550cc96cc" xsi:nil="true"/>
-    <TPLaunchHelpLinkType xmlns="4873beb7-5857-4685-be1f-d57550cc96cc">Template</TPLaunchHelpLinkType>
-    <OriginalRelease xmlns="4873beb7-5857-4685-be1f-d57550cc96cc">15</OriginalRelease>
-    <LocalizationTagsTaxHTField0 xmlns="4873beb7-5857-4685-be1f-d57550cc96cc">
-      <Terms xmlns="http://schemas.microsoft.com/office/infopath/2007/PartnerControls"/>
-    </LocalizationTagsTaxHTField0>
-    <UACurrentWords xmlns="4873beb7-5857-4685-be1f-d57550cc96cc" xsi:nil="true"/>
-    <ArtSampleDocs xmlns="4873beb7-5857-4685-be1f-d57550cc96cc" xsi:nil="true"/>
-    <UALocRecommendation xmlns="4873beb7-5857-4685-be1f-d57550cc96cc">Localize</UALocRecommendation>
-    <Manager xmlns="4873beb7-5857-4685-be1f-d57550cc96cc" xsi:nil="true"/>
-    <LocOverallHandbackStatusLookup xmlns="4873beb7-5857-4685-be1f-d57550cc96cc" xsi:nil="true"/>
-    <ShowIn xmlns="4873beb7-5857-4685-be1f-d57550cc96cc">Show everywhere</ShowIn>
-    <UANotes xmlns="4873beb7-5857-4685-be1f-d57550cc96cc" xsi:nil="true"/>
-    <InternalTagsTaxHTField0 xmlns="4873beb7-5857-4685-be1f-d57550cc96cc">
-      <Terms xmlns="http://schemas.microsoft.com/office/infopath/2007/PartnerControls"/>
-    </InternalTagsTaxHTField0>
-    <CSXHash xmlns="4873beb7-5857-4685-be1f-d57550cc96cc" xsi:nil="true"/>
-    <VoteCount xmlns="4873beb7-5857-4685-be1f-d57550cc96cc" xsi:nil="true"/>
-    <AssetExpire xmlns="4873beb7-5857-4685-be1f-d57550cc96cc">2029-05-12T07:00:00+00:00</AssetExpire>
-    <DSATActionTaken xmlns="4873beb7-5857-4685-be1f-d57550cc96cc" xsi:nil="true"/>
-    <CSXSubmissionMarket xmlns="4873beb7-5857-4685-be1f-d57550cc96cc" xsi:nil="true"/>
-    <LocMarketGroupTiers2 xmlns="4873beb7-5857-4685-be1f-d57550cc96cc" xsi:nil="true"/>
-  </documentManagement>
-</p:properties>
-</file>
-
 <file path=customXml/item3.xml><?xml version="1.0" encoding="utf-8"?>
 <?mso-contentType ?>
 <FormTemplates xmlns="http://schemas.microsoft.com/sharepoint/v3/contenttype/forms">
@@ -13472,6 +13477,22 @@
 </file>
 
 <file path=customXml/itemProps1.xml><?xml version="1.0" encoding="utf-8"?>
+<ds:datastoreItem xmlns:ds="http://schemas.openxmlformats.org/officeDocument/2006/customXml" ds:itemID="{60C67BEE-D13F-4BD2-98A5-34D8A0977F68}">
+  <ds:schemaRefs>
+    <ds:schemaRef ds:uri="http://purl.org/dc/dcmitype/"/>
+    <ds:schemaRef ds:uri="http://www.w3.org/XML/1998/namespace"/>
+    <ds:schemaRef ds:uri="http://purl.org/dc/elements/1.1/"/>
+    <ds:schemaRef ds:uri="http://schemas.openxmlformats.org/package/2006/metadata/core-properties"/>
+    <ds:schemaRef ds:uri="http://schemas.microsoft.com/office/2006/documentManagement/types"/>
+    <ds:schemaRef ds:uri="http://purl.org/dc/terms/"/>
+    <ds:schemaRef ds:uri="http://schemas.microsoft.com/office/2006/metadata/properties"/>
+    <ds:schemaRef ds:uri="http://schemas.microsoft.com/office/infopath/2007/PartnerControls"/>
+    <ds:schemaRef ds:uri="4873beb7-5857-4685-be1f-d57550cc96cc"/>
+  </ds:schemaRefs>
+</ds:datastoreItem>
+</file>
+
+<file path=customXml/itemProps2.xml><?xml version="1.0" encoding="utf-8"?>
 <ds:datastoreItem xmlns:ds="http://schemas.openxmlformats.org/officeDocument/2006/customXml" ds:itemID="{A09BF4D4-EF60-4196-BFC3-9462D607978C}">
   <ds:schemaRefs>
     <ds:schemaRef ds:uri="http://schemas.microsoft.com/office/2006/metadata/contentType"/>
@@ -13489,22 +13510,6 @@
 </ds:datastoreItem>
 </file>
 
-<file path=customXml/itemProps2.xml><?xml version="1.0" encoding="utf-8"?>
-<ds:datastoreItem xmlns:ds="http://schemas.openxmlformats.org/officeDocument/2006/customXml" ds:itemID="{60C67BEE-D13F-4BD2-98A5-34D8A0977F68}">
-  <ds:schemaRefs>
-    <ds:schemaRef ds:uri="http://purl.org/dc/dcmitype/"/>
-    <ds:schemaRef ds:uri="http://www.w3.org/XML/1998/namespace"/>
-    <ds:schemaRef ds:uri="http://purl.org/dc/elements/1.1/"/>
-    <ds:schemaRef ds:uri="http://schemas.openxmlformats.org/package/2006/metadata/core-properties"/>
-    <ds:schemaRef ds:uri="http://schemas.microsoft.com/office/2006/documentManagement/types"/>
-    <ds:schemaRef ds:uri="http://purl.org/dc/terms/"/>
-    <ds:schemaRef ds:uri="http://schemas.microsoft.com/office/2006/metadata/properties"/>
-    <ds:schemaRef ds:uri="http://schemas.microsoft.com/office/infopath/2007/PartnerControls"/>
-    <ds:schemaRef ds:uri="4873beb7-5857-4685-be1f-d57550cc96cc"/>
-  </ds:schemaRefs>
-</ds:datastoreItem>
-</file>
-
 <file path=customXml/itemProps3.xml><?xml version="1.0" encoding="utf-8"?>
 <ds:datastoreItem xmlns:ds="http://schemas.openxmlformats.org/officeDocument/2006/customXml" ds:itemID="{3836F65B-1B07-41EE-A0E8-BC6EF3855225}">
   <ds:schemaRefs>

--- a/presentation/marihacks2019-presentation-withnotes.pptx
+++ b/presentation/marihacks2019-presentation-withnotes.pptx
@@ -5,36 +5,37 @@
     <p:sldMasterId id="2147483660" r:id="rId4"/>
   </p:sldMasterIdLst>
   <p:notesMasterIdLst>
-    <p:notesMasterId r:id="rId29"/>
+    <p:notesMasterId r:id="rId30"/>
   </p:notesMasterIdLst>
   <p:handoutMasterIdLst>
-    <p:handoutMasterId r:id="rId30"/>
+    <p:handoutMasterId r:id="rId31"/>
   </p:handoutMasterIdLst>
   <p:sldIdLst>
     <p:sldId id="257" r:id="rId5"/>
-    <p:sldId id="273" r:id="rId6"/>
-    <p:sldId id="277" r:id="rId7"/>
-    <p:sldId id="278" r:id="rId8"/>
-    <p:sldId id="279" r:id="rId9"/>
-    <p:sldId id="284" r:id="rId10"/>
-    <p:sldId id="285" r:id="rId11"/>
-    <p:sldId id="286" r:id="rId12"/>
-    <p:sldId id="281" r:id="rId13"/>
-    <p:sldId id="287" r:id="rId14"/>
-    <p:sldId id="289" r:id="rId15"/>
-    <p:sldId id="288" r:id="rId16"/>
-    <p:sldId id="295" r:id="rId17"/>
-    <p:sldId id="298" r:id="rId18"/>
-    <p:sldId id="296" r:id="rId19"/>
-    <p:sldId id="297" r:id="rId20"/>
-    <p:sldId id="275" r:id="rId21"/>
-    <p:sldId id="291" r:id="rId22"/>
-    <p:sldId id="292" r:id="rId23"/>
-    <p:sldId id="294" r:id="rId24"/>
-    <p:sldId id="293" r:id="rId25"/>
-    <p:sldId id="299" r:id="rId26"/>
-    <p:sldId id="300" r:id="rId27"/>
-    <p:sldId id="290" r:id="rId28"/>
+    <p:sldId id="301" r:id="rId6"/>
+    <p:sldId id="273" r:id="rId7"/>
+    <p:sldId id="277" r:id="rId8"/>
+    <p:sldId id="278" r:id="rId9"/>
+    <p:sldId id="279" r:id="rId10"/>
+    <p:sldId id="284" r:id="rId11"/>
+    <p:sldId id="285" r:id="rId12"/>
+    <p:sldId id="286" r:id="rId13"/>
+    <p:sldId id="281" r:id="rId14"/>
+    <p:sldId id="287" r:id="rId15"/>
+    <p:sldId id="289" r:id="rId16"/>
+    <p:sldId id="288" r:id="rId17"/>
+    <p:sldId id="295" r:id="rId18"/>
+    <p:sldId id="298" r:id="rId19"/>
+    <p:sldId id="296" r:id="rId20"/>
+    <p:sldId id="297" r:id="rId21"/>
+    <p:sldId id="275" r:id="rId22"/>
+    <p:sldId id="291" r:id="rId23"/>
+    <p:sldId id="292" r:id="rId24"/>
+    <p:sldId id="294" r:id="rId25"/>
+    <p:sldId id="293" r:id="rId26"/>
+    <p:sldId id="299" r:id="rId27"/>
+    <p:sldId id="300" r:id="rId28"/>
+    <p:sldId id="290" r:id="rId29"/>
   </p:sldIdLst>
   <p:sldSz cx="12188825" cy="6858000"/>
   <p:notesSz cx="6858000" cy="9144000"/>
@@ -838,7 +839,7 @@
           <a:p>
             <a:fld id="{3EBA5BD7-F043-4D1B-AA17-CD412FC534DE}" type="slidenum">
               <a:rPr lang="en-CA" smtClean="0"/>
-              <a:t>7</a:t>
+              <a:t>8</a:t>
             </a:fld>
             <a:endParaRPr lang="en-CA"/>
           </a:p>
@@ -925,7 +926,7 @@
           <a:p>
             <a:fld id="{3EBA5BD7-F043-4D1B-AA17-CD412FC534DE}" type="slidenum">
               <a:rPr lang="en-CA" smtClean="0"/>
-              <a:t>13</a:t>
+              <a:t>14</a:t>
             </a:fld>
             <a:endParaRPr lang="en-CA"/>
           </a:p>
@@ -1012,7 +1013,7 @@
           <a:p>
             <a:fld id="{3EBA5BD7-F043-4D1B-AA17-CD412FC534DE}" type="slidenum">
               <a:rPr lang="en-CA" smtClean="0"/>
-              <a:t>17</a:t>
+              <a:t>18</a:t>
             </a:fld>
             <a:endParaRPr lang="en-CA"/>
           </a:p>
@@ -1107,7 +1108,7 @@
           <a:p>
             <a:fld id="{3EBA5BD7-F043-4D1B-AA17-CD412FC534DE}" type="slidenum">
               <a:rPr lang="en-CA" smtClean="0"/>
-              <a:t>18</a:t>
+              <a:t>19</a:t>
             </a:fld>
             <a:endParaRPr lang="en-CA"/>
           </a:p>
@@ -5639,6 +5640,65 @@
           </a:p>
         </p:txBody>
       </p:sp>
+      <p:pic>
+        <p:nvPicPr>
+          <p:cNvPr id="7" name="Picture 6">
+            <a:extLst>
+              <a:ext uri="{FF2B5EF4-FFF2-40B4-BE49-F238E27FC236}">
+                <a16:creationId xmlns:a16="http://schemas.microsoft.com/office/drawing/2014/main" id="{B477BCDE-6BD5-4D3D-BEDE-56F9EEB39A0D}"/>
+              </a:ext>
+            </a:extLst>
+          </p:cNvPr>
+          <p:cNvPicPr>
+            <a:picLocks noChangeAspect="1"/>
+          </p:cNvPicPr>
+          <p:nvPr/>
+        </p:nvPicPr>
+        <p:blipFill rotWithShape="1">
+          <a:blip r:embed="rId3"/>
+          <a:srcRect b="11196"/>
+          <a:stretch/>
+        </p:blipFill>
+        <p:spPr>
+          <a:xfrm>
+            <a:off x="9982844" y="4365104"/>
+            <a:ext cx="2020441" cy="2304256"/>
+          </a:xfrm>
+          <a:prstGeom prst="snip2DiagRect">
+            <a:avLst/>
+          </a:prstGeom>
+          <a:solidFill>
+            <a:srgbClr val="FFFFFF">
+              <a:shade val="85000"/>
+            </a:srgbClr>
+          </a:solidFill>
+          <a:ln w="88900" cap="sq">
+            <a:solidFill>
+              <a:srgbClr val="FFFFFF"/>
+            </a:solidFill>
+            <a:miter lim="800000"/>
+          </a:ln>
+          <a:effectLst>
+            <a:outerShdw blurRad="88900" algn="tl" rotWithShape="0">
+              <a:srgbClr val="000000">
+                <a:alpha val="45000"/>
+              </a:srgbClr>
+            </a:outerShdw>
+          </a:effectLst>
+          <a:scene3d>
+            <a:camera prst="orthographicFront"/>
+            <a:lightRig rig="twoPt" dir="t">
+              <a:rot lat="0" lon="0" rev="7200000"/>
+            </a:lightRig>
+          </a:scene3d>
+          <a:sp3d>
+            <a:bevelT w="25400" h="19050"/>
+            <a:contourClr>
+              <a:srgbClr val="FFFFFF"/>
+            </a:contourClr>
+          </a:sp3d>
+        </p:spPr>
+      </p:pic>
     </p:spTree>
     <p:extLst>
       <p:ext uri="{BB962C8B-B14F-4D97-AF65-F5344CB8AC3E}">
@@ -5683,10 +5743,10 @@
       </p:grpSpPr>
       <p:sp>
         <p:nvSpPr>
-          <p:cNvPr id="4" name="Title 3">
+          <p:cNvPr id="9" name="Title 8">
             <a:extLst>
               <a:ext uri="{FF2B5EF4-FFF2-40B4-BE49-F238E27FC236}">
-                <a16:creationId xmlns:a16="http://schemas.microsoft.com/office/drawing/2014/main" id="{D6AB7A52-0EE7-42EE-9EFD-D8CD2468353A}"/>
+                <a16:creationId xmlns:a16="http://schemas.microsoft.com/office/drawing/2014/main" id="{F3AA9992-6245-4C16-B0A9-7B27AEAE9D3D}"/>
               </a:ext>
             </a:extLst>
           </p:cNvPr>
@@ -5704,25 +5764,17 @@
           <a:p>
             <a:r>
               <a:rPr lang="en-CA" dirty="0"/>
-              <a:t>A few things to </a:t>
-            </a:r>
-            <a:r>
-              <a:rPr lang="en-CA" dirty="0" err="1"/>
-              <a:t>knote</a:t>
-            </a:r>
-            <a:r>
-              <a:rPr lang="en-CA" dirty="0"/>
-              <a:t>:</a:t>
-            </a:r>
-          </a:p>
-        </p:txBody>
-      </p:sp>
-      <p:sp>
-        <p:nvSpPr>
-          <p:cNvPr id="5" name="Content Placeholder 4">
+              <a:t>Python 101</a:t>
+            </a:r>
+          </a:p>
+        </p:txBody>
+      </p:sp>
+      <p:sp>
+        <p:nvSpPr>
+          <p:cNvPr id="10" name="Text Placeholder 9">
             <a:extLst>
               <a:ext uri="{FF2B5EF4-FFF2-40B4-BE49-F238E27FC236}">
-                <a16:creationId xmlns:a16="http://schemas.microsoft.com/office/drawing/2014/main" id="{9973DABD-A3A4-4DDD-9313-D9EDBE8281A0}"/>
+                <a16:creationId xmlns:a16="http://schemas.microsoft.com/office/drawing/2014/main" id="{40535ABC-1CBC-417A-8E73-9622341D5989}"/>
               </a:ext>
             </a:extLst>
           </p:cNvPr>
@@ -5730,7 +5782,7 @@
             <a:spLocks noGrp="1"/>
           </p:cNvSpPr>
           <p:nvPr>
-            <p:ph idx="1"/>
+            <p:ph type="body" idx="1"/>
           </p:nvPr>
         </p:nvSpPr>
         <p:spPr/>
@@ -5738,65 +5790,9 @@
           <a:bodyPr/>
           <a:lstStyle/>
           <a:p>
-            <a:pPr marL="514350" indent="-514350">
-              <a:buFont typeface="+mj-lt"/>
-              <a:buAutoNum type="arabicPeriod"/>
-            </a:pPr>
             <a:r>
               <a:rPr lang="en-CA" dirty="0"/>
-              <a:t>We’ll be using Python 3 (not 2.7)</a:t>
-            </a:r>
-          </a:p>
-          <a:p>
-            <a:pPr marL="514350" indent="-514350">
-              <a:buFont typeface="+mj-lt"/>
-              <a:buAutoNum type="arabicPeriod"/>
-            </a:pPr>
-            <a:r>
-              <a:rPr lang="en-CA" dirty="0"/>
-              <a:t>To follow along, clone my repo:</a:t>
-            </a:r>
-          </a:p>
-          <a:p>
-            <a:pPr marL="304746" lvl="1" indent="0">
-              <a:buNone/>
-            </a:pPr>
-            <a:r>
-              <a:rPr lang="en-CA" dirty="0">
-                <a:hlinkClick r:id="rId2"/>
-              </a:rPr>
-              <a:t>https://github.com/jonZlotnik/marihacks2019-python-flask</a:t>
-            </a:r>
-            <a:endParaRPr lang="en-CA" dirty="0"/>
-          </a:p>
-          <a:p>
-            <a:pPr marL="514350" indent="-514350">
-              <a:buFont typeface="+mj-lt"/>
-              <a:buAutoNum type="arabicPeriod"/>
-            </a:pPr>
-            <a:r>
-              <a:rPr lang="en-CA" dirty="0"/>
-              <a:t>I was told to assume none of you know how to code.</a:t>
-            </a:r>
-          </a:p>
-          <a:p>
-            <a:pPr marL="514350" indent="-514350">
-              <a:buFont typeface="+mj-lt"/>
-              <a:buAutoNum type="arabicPeriod"/>
-            </a:pPr>
-            <a:r>
-              <a:rPr lang="en-CA" dirty="0"/>
-              <a:t>I will go fast, but I will teach you how to learn.</a:t>
-            </a:r>
-          </a:p>
-          <a:p>
-            <a:pPr marL="514350" indent="-514350">
-              <a:buFont typeface="+mj-lt"/>
-              <a:buAutoNum type="arabicPeriod"/>
-            </a:pPr>
-            <a:r>
-              <a:rPr lang="en-CA" dirty="0"/>
-              <a:t>The curse of the live demo.</a:t>
+              <a:t>Let’s write some code</a:t>
             </a:r>
           </a:p>
         </p:txBody>
@@ -5804,7 +5800,7 @@
     </p:spTree>
     <p:extLst>
       <p:ext uri="{BB962C8B-B14F-4D97-AF65-F5344CB8AC3E}">
-        <p14:creationId xmlns:p14="http://schemas.microsoft.com/office/powerpoint/2010/main" val="3964827630"/>
+        <p14:creationId xmlns:p14="http://schemas.microsoft.com/office/powerpoint/2010/main" val="2688464733"/>
       </p:ext>
     </p:extLst>
   </p:cSld>
@@ -5848,7 +5844,7 @@
           <p:cNvPr id="4" name="Title 3">
             <a:extLst>
               <a:ext uri="{FF2B5EF4-FFF2-40B4-BE49-F238E27FC236}">
-                <a16:creationId xmlns:a16="http://schemas.microsoft.com/office/drawing/2014/main" id="{AF37B721-E742-4D65-8FBF-D652F79B5411}"/>
+                <a16:creationId xmlns:a16="http://schemas.microsoft.com/office/drawing/2014/main" id="{D6AB7A52-0EE7-42EE-9EFD-D8CD2468353A}"/>
               </a:ext>
             </a:extLst>
           </p:cNvPr>
@@ -5866,17 +5862,25 @@
           <a:p>
             <a:r>
               <a:rPr lang="en-CA" dirty="0"/>
-              <a:t>Hello World</a:t>
-            </a:r>
-          </a:p>
-        </p:txBody>
-      </p:sp>
-      <p:sp>
-        <p:nvSpPr>
-          <p:cNvPr id="6" name="Text Placeholder 5">
+              <a:t>A few things to </a:t>
+            </a:r>
+            <a:r>
+              <a:rPr lang="en-CA" dirty="0" err="1"/>
+              <a:t>knote</a:t>
+            </a:r>
+            <a:r>
+              <a:rPr lang="en-CA" dirty="0"/>
+              <a:t>:</a:t>
+            </a:r>
+          </a:p>
+        </p:txBody>
+      </p:sp>
+      <p:sp>
+        <p:nvSpPr>
+          <p:cNvPr id="5" name="Content Placeholder 4">
             <a:extLst>
               <a:ext uri="{FF2B5EF4-FFF2-40B4-BE49-F238E27FC236}">
-                <a16:creationId xmlns:a16="http://schemas.microsoft.com/office/drawing/2014/main" id="{B9BC1711-5DEB-42C9-B984-52A8E74F18FA}"/>
+                <a16:creationId xmlns:a16="http://schemas.microsoft.com/office/drawing/2014/main" id="{9973DABD-A3A4-4DDD-9313-D9EDBE8281A0}"/>
               </a:ext>
             </a:extLst>
           </p:cNvPr>
@@ -5884,7 +5888,7 @@
             <a:spLocks noGrp="1"/>
           </p:cNvSpPr>
           <p:nvPr>
-            <p:ph type="body" sz="half" idx="2"/>
+            <p:ph idx="1"/>
           </p:nvPr>
         </p:nvSpPr>
         <p:spPr/>
@@ -5892,43 +5896,65 @@
           <a:bodyPr/>
           <a:lstStyle/>
           <a:p>
+            <a:pPr marL="514350" indent="-514350">
+              <a:buFont typeface="+mj-lt"/>
+              <a:buAutoNum type="arabicPeriod"/>
+            </a:pPr>
             <a:r>
               <a:rPr lang="en-CA" dirty="0"/>
-              <a:t>Everycoder’s first words…</a:t>
-            </a:r>
-          </a:p>
-        </p:txBody>
-      </p:sp>
-      <p:sp>
-        <p:nvSpPr>
-          <p:cNvPr id="5" name="Content Placeholder 4">
-            <a:extLst>
-              <a:ext uri="{FF2B5EF4-FFF2-40B4-BE49-F238E27FC236}">
-                <a16:creationId xmlns:a16="http://schemas.microsoft.com/office/drawing/2014/main" id="{A3079103-F277-408D-9768-84294A420066}"/>
-              </a:ext>
-            </a:extLst>
-          </p:cNvPr>
-          <p:cNvSpPr>
-            <a:spLocks noGrp="1"/>
-          </p:cNvSpPr>
-          <p:nvPr>
-            <p:ph idx="1"/>
-          </p:nvPr>
-        </p:nvSpPr>
-        <p:spPr/>
-        <p:txBody>
-          <a:bodyPr/>
-          <a:lstStyle/>
-          <a:p>
-            <a:pPr>
-              <a:buFont typeface="Consolas" panose="020B0609020204030204" pitchFamily="49" charset="0"/>
-              <a:buChar char="»"/>
+              <a:t>We’ll be using Python 3 (not 2.7)</a:t>
+            </a:r>
+          </a:p>
+          <a:p>
+            <a:pPr marL="514350" indent="-514350">
+              <a:buFont typeface="+mj-lt"/>
+              <a:buAutoNum type="arabicPeriod"/>
             </a:pPr>
             <a:r>
+              <a:rPr lang="en-CA" dirty="0"/>
+              <a:t>To follow along, clone my repo:</a:t>
+            </a:r>
+          </a:p>
+          <a:p>
+            <a:pPr marL="304746" lvl="1" indent="0">
+              <a:buNone/>
+            </a:pPr>
+            <a:r>
               <a:rPr lang="en-CA" dirty="0">
-                <a:latin typeface="Consolas" panose="020B0609020204030204" pitchFamily="49" charset="0"/>
+                <a:hlinkClick r:id="rId2"/>
               </a:rPr>
-              <a:t>print(“Hello, world!”)</a:t>
+              <a:t>https://github.com/jonZlotnik/marihacks2019-python-flask</a:t>
+            </a:r>
+            <a:endParaRPr lang="en-CA" dirty="0"/>
+          </a:p>
+          <a:p>
+            <a:pPr marL="514350" indent="-514350">
+              <a:buFont typeface="+mj-lt"/>
+              <a:buAutoNum type="arabicPeriod"/>
+            </a:pPr>
+            <a:r>
+              <a:rPr lang="en-CA" dirty="0"/>
+              <a:t>I was told to assume none of you know how to code.</a:t>
+            </a:r>
+          </a:p>
+          <a:p>
+            <a:pPr marL="514350" indent="-514350">
+              <a:buFont typeface="+mj-lt"/>
+              <a:buAutoNum type="arabicPeriod"/>
+            </a:pPr>
+            <a:r>
+              <a:rPr lang="en-CA" dirty="0"/>
+              <a:t>I will go fast, but I will teach you how to learn.</a:t>
+            </a:r>
+          </a:p>
+          <a:p>
+            <a:pPr marL="514350" indent="-514350">
+              <a:buFont typeface="+mj-lt"/>
+              <a:buAutoNum type="arabicPeriod"/>
+            </a:pPr>
+            <a:r>
+              <a:rPr lang="en-CA" dirty="0"/>
+              <a:t>The curse of the live demo.</a:t>
             </a:r>
           </a:p>
         </p:txBody>
@@ -5936,7 +5962,7 @@
     </p:spTree>
     <p:extLst>
       <p:ext uri="{BB962C8B-B14F-4D97-AF65-F5344CB8AC3E}">
-        <p14:creationId xmlns:p14="http://schemas.microsoft.com/office/powerpoint/2010/main" val="146981519"/>
+        <p14:creationId xmlns:p14="http://schemas.microsoft.com/office/powerpoint/2010/main" val="3964827630"/>
       </p:ext>
     </p:extLst>
   </p:cSld>
@@ -6063,23 +6089,12 @@
               <a:t>print(“Hello, world!”)</a:t>
             </a:r>
           </a:p>
-          <a:p>
-            <a:pPr marL="0" indent="0">
-              <a:buNone/>
-            </a:pPr>
-            <a:r>
-              <a:rPr lang="en-CA" dirty="0">
-                <a:latin typeface="Consolas" panose="020B0609020204030204" pitchFamily="49" charset="0"/>
-              </a:rPr>
-              <a:t>Hello, world!</a:t>
-            </a:r>
-          </a:p>
         </p:txBody>
       </p:sp>
     </p:spTree>
     <p:extLst>
       <p:ext uri="{BB962C8B-B14F-4D97-AF65-F5344CB8AC3E}">
-        <p14:creationId xmlns:p14="http://schemas.microsoft.com/office/powerpoint/2010/main" val="4129395599"/>
+        <p14:creationId xmlns:p14="http://schemas.microsoft.com/office/powerpoint/2010/main" val="146981519"/>
       </p:ext>
     </p:extLst>
   </p:cSld>
@@ -6120,10 +6135,10 @@
       </p:grpSpPr>
       <p:sp>
         <p:nvSpPr>
-          <p:cNvPr id="5" name="Title 4">
+          <p:cNvPr id="4" name="Title 3">
             <a:extLst>
               <a:ext uri="{FF2B5EF4-FFF2-40B4-BE49-F238E27FC236}">
-                <a16:creationId xmlns:a16="http://schemas.microsoft.com/office/drawing/2014/main" id="{20D50B17-C1DD-4A35-B03A-F24C6205C49D}"/>
+                <a16:creationId xmlns:a16="http://schemas.microsoft.com/office/drawing/2014/main" id="{AF37B721-E742-4D65-8FBF-D652F79B5411}"/>
               </a:ext>
             </a:extLst>
           </p:cNvPr>
@@ -6141,17 +6156,17 @@
           <a:p>
             <a:r>
               <a:rPr lang="en-CA" dirty="0"/>
-              <a:t>Languages around the world…</a:t>
-            </a:r>
-          </a:p>
-        </p:txBody>
-      </p:sp>
-      <p:sp>
-        <p:nvSpPr>
-          <p:cNvPr id="6" name="Content Placeholder 5">
+              <a:t>Hello World</a:t>
+            </a:r>
+          </a:p>
+        </p:txBody>
+      </p:sp>
+      <p:sp>
+        <p:nvSpPr>
+          <p:cNvPr id="6" name="Text Placeholder 5">
             <a:extLst>
               <a:ext uri="{FF2B5EF4-FFF2-40B4-BE49-F238E27FC236}">
-                <a16:creationId xmlns:a16="http://schemas.microsoft.com/office/drawing/2014/main" id="{C9F28EDC-FA94-4325-9889-9D037D9310AC}"/>
+                <a16:creationId xmlns:a16="http://schemas.microsoft.com/office/drawing/2014/main" id="{B9BC1711-5DEB-42C9-B984-52A8E74F18FA}"/>
               </a:ext>
             </a:extLst>
           </p:cNvPr>
@@ -6159,7 +6174,7 @@
             <a:spLocks noGrp="1"/>
           </p:cNvSpPr>
           <p:nvPr>
-            <p:ph sz="half" idx="1"/>
+            <p:ph type="body" sz="half" idx="2"/>
           </p:nvPr>
         </p:nvSpPr>
         <p:spPr/>
@@ -6169,71 +6184,60 @@
           <a:p>
             <a:r>
               <a:rPr lang="en-CA" dirty="0"/>
-              <a:t>English</a:t>
-            </a:r>
-          </a:p>
-          <a:p>
-            <a:pPr lvl="1"/>
-            <a:r>
-              <a:rPr lang="en-CA" dirty="0"/>
-              <a:t>Hi, I’m Jon!</a:t>
-            </a:r>
-          </a:p>
-          <a:p>
-            <a:r>
-              <a:rPr lang="en-CA" dirty="0"/>
-              <a:t>French</a:t>
-            </a:r>
-          </a:p>
-          <a:p>
-            <a:pPr lvl="1"/>
-            <a:r>
-              <a:rPr lang="en-CA" dirty="0"/>
-              <a:t>Salut, je </a:t>
-            </a:r>
-            <a:r>
-              <a:rPr lang="en-CA" dirty="0" err="1"/>
-              <a:t>m’appelle</a:t>
-            </a:r>
-            <a:r>
-              <a:rPr lang="en-CA" dirty="0"/>
-              <a:t> Jon!</a:t>
-            </a:r>
-          </a:p>
-          <a:p>
-            <a:r>
-              <a:rPr lang="en-CA" dirty="0"/>
-              <a:t>Hebrew</a:t>
-            </a:r>
-          </a:p>
-          <a:p>
-            <a:pPr lvl="1"/>
-            <a:r>
-              <a:rPr lang="he-IL" dirty="0"/>
-              <a:t>היי, אני ג 'ון.</a:t>
-            </a:r>
-            <a:endParaRPr lang="en-CA" dirty="0"/>
-          </a:p>
-          <a:p>
-            <a:r>
-              <a:rPr lang="en-CA" dirty="0"/>
-              <a:t>Russian</a:t>
-            </a:r>
-          </a:p>
-          <a:p>
-            <a:pPr lvl="1"/>
-            <a:r>
-              <a:rPr lang="az-Cyrl-AZ" dirty="0"/>
-              <a:t>Привет, я Джон.</a:t>
-            </a:r>
-            <a:endParaRPr lang="en-CA" dirty="0"/>
+              <a:t>Everycoder’s first words…</a:t>
+            </a:r>
+          </a:p>
+        </p:txBody>
+      </p:sp>
+      <p:sp>
+        <p:nvSpPr>
+          <p:cNvPr id="5" name="Content Placeholder 4">
+            <a:extLst>
+              <a:ext uri="{FF2B5EF4-FFF2-40B4-BE49-F238E27FC236}">
+                <a16:creationId xmlns:a16="http://schemas.microsoft.com/office/drawing/2014/main" id="{A3079103-F277-408D-9768-84294A420066}"/>
+              </a:ext>
+            </a:extLst>
+          </p:cNvPr>
+          <p:cNvSpPr>
+            <a:spLocks noGrp="1"/>
+          </p:cNvSpPr>
+          <p:nvPr>
+            <p:ph idx="1"/>
+          </p:nvPr>
+        </p:nvSpPr>
+        <p:spPr/>
+        <p:txBody>
+          <a:bodyPr/>
+          <a:lstStyle/>
+          <a:p>
+            <a:pPr>
+              <a:buFont typeface="Consolas" panose="020B0609020204030204" pitchFamily="49" charset="0"/>
+              <a:buChar char="»"/>
+            </a:pPr>
+            <a:r>
+              <a:rPr lang="en-CA" dirty="0">
+                <a:latin typeface="Consolas" panose="020B0609020204030204" pitchFamily="49" charset="0"/>
+              </a:rPr>
+              <a:t>print(“Hello, world!”)</a:t>
+            </a:r>
+          </a:p>
+          <a:p>
+            <a:pPr marL="0" indent="0">
+              <a:buNone/>
+            </a:pPr>
+            <a:r>
+              <a:rPr lang="en-CA" dirty="0">
+                <a:latin typeface="Consolas" panose="020B0609020204030204" pitchFamily="49" charset="0"/>
+              </a:rPr>
+              <a:t>Hello, world!</a:t>
+            </a:r>
           </a:p>
         </p:txBody>
       </p:sp>
     </p:spTree>
     <p:extLst>
       <p:ext uri="{BB962C8B-B14F-4D97-AF65-F5344CB8AC3E}">
-        <p14:creationId xmlns:p14="http://schemas.microsoft.com/office/powerpoint/2010/main" val="29268256"/>
+        <p14:creationId xmlns:p14="http://schemas.microsoft.com/office/powerpoint/2010/main" val="4129395599"/>
       </p:ext>
     </p:extLst>
   </p:cSld>
@@ -6322,162 +6326,6 @@
           <a:lstStyle/>
           <a:p>
             <a:r>
-              <a:rPr lang="en-CA" dirty="0">
-                <a:solidFill>
-                  <a:schemeClr val="tx1">
-                    <a:lumMod val="50000"/>
-                  </a:schemeClr>
-                </a:solidFill>
-              </a:rPr>
-              <a:t>English</a:t>
-            </a:r>
-          </a:p>
-          <a:p>
-            <a:pPr lvl="1"/>
-            <a:r>
-              <a:rPr lang="en-CA" dirty="0">
-                <a:solidFill>
-                  <a:schemeClr val="tx1">
-                    <a:lumMod val="50000"/>
-                  </a:schemeClr>
-                </a:solidFill>
-              </a:rPr>
-              <a:t>Hi, I’m Jon!</a:t>
-            </a:r>
-          </a:p>
-          <a:p>
-            <a:r>
-              <a:rPr lang="en-CA" dirty="0">
-                <a:solidFill>
-                  <a:schemeClr val="tx1">
-                    <a:lumMod val="50000"/>
-                  </a:schemeClr>
-                </a:solidFill>
-              </a:rPr>
-              <a:t>French</a:t>
-            </a:r>
-          </a:p>
-          <a:p>
-            <a:pPr lvl="1"/>
-            <a:r>
-              <a:rPr lang="en-CA" dirty="0">
-                <a:solidFill>
-                  <a:schemeClr val="tx1">
-                    <a:lumMod val="50000"/>
-                  </a:schemeClr>
-                </a:solidFill>
-              </a:rPr>
-              <a:t>Salut, je </a:t>
-            </a:r>
-            <a:r>
-              <a:rPr lang="en-CA" dirty="0" err="1">
-                <a:solidFill>
-                  <a:schemeClr val="tx1">
-                    <a:lumMod val="50000"/>
-                  </a:schemeClr>
-                </a:solidFill>
-              </a:rPr>
-              <a:t>m’appelle</a:t>
-            </a:r>
-            <a:r>
-              <a:rPr lang="en-CA" dirty="0">
-                <a:solidFill>
-                  <a:schemeClr val="tx1">
-                    <a:lumMod val="50000"/>
-                  </a:schemeClr>
-                </a:solidFill>
-              </a:rPr>
-              <a:t> Jon!</a:t>
-            </a:r>
-          </a:p>
-          <a:p>
-            <a:r>
-              <a:rPr lang="en-CA" dirty="0">
-                <a:solidFill>
-                  <a:schemeClr val="tx1">
-                    <a:lumMod val="50000"/>
-                  </a:schemeClr>
-                </a:solidFill>
-              </a:rPr>
-              <a:t>Hebrew</a:t>
-            </a:r>
-          </a:p>
-          <a:p>
-            <a:pPr lvl="1"/>
-            <a:r>
-              <a:rPr lang="he-IL" dirty="0">
-                <a:solidFill>
-                  <a:schemeClr val="tx1">
-                    <a:lumMod val="50000"/>
-                  </a:schemeClr>
-                </a:solidFill>
-              </a:rPr>
-              <a:t>היי, אני ג 'ון.</a:t>
-            </a:r>
-            <a:endParaRPr lang="en-CA" dirty="0">
-              <a:solidFill>
-                <a:schemeClr val="tx1">
-                  <a:lumMod val="50000"/>
-                </a:schemeClr>
-              </a:solidFill>
-            </a:endParaRPr>
-          </a:p>
-          <a:p>
-            <a:r>
-              <a:rPr lang="en-CA" dirty="0">
-                <a:solidFill>
-                  <a:schemeClr val="tx1">
-                    <a:lumMod val="50000"/>
-                  </a:schemeClr>
-                </a:solidFill>
-              </a:rPr>
-              <a:t>Russian</a:t>
-            </a:r>
-          </a:p>
-          <a:p>
-            <a:pPr lvl="1"/>
-            <a:r>
-              <a:rPr lang="az-Cyrl-AZ" dirty="0">
-                <a:solidFill>
-                  <a:schemeClr val="tx1">
-                    <a:lumMod val="50000"/>
-                  </a:schemeClr>
-                </a:solidFill>
-              </a:rPr>
-              <a:t>Привет, я Джон.</a:t>
-            </a:r>
-            <a:endParaRPr lang="en-CA" dirty="0">
-              <a:solidFill>
-                <a:schemeClr val="tx1">
-                  <a:lumMod val="50000"/>
-                </a:schemeClr>
-              </a:solidFill>
-            </a:endParaRPr>
-          </a:p>
-        </p:txBody>
-      </p:sp>
-      <p:sp>
-        <p:nvSpPr>
-          <p:cNvPr id="15" name="Content Placeholder 14">
-            <a:extLst>
-              <a:ext uri="{FF2B5EF4-FFF2-40B4-BE49-F238E27FC236}">
-                <a16:creationId xmlns:a16="http://schemas.microsoft.com/office/drawing/2014/main" id="{698EBC3A-8A0F-4610-9DF1-22175657B53F}"/>
-              </a:ext>
-            </a:extLst>
-          </p:cNvPr>
-          <p:cNvSpPr>
-            <a:spLocks noGrp="1"/>
-          </p:cNvSpPr>
-          <p:nvPr>
-            <p:ph sz="half" idx="2"/>
-          </p:nvPr>
-        </p:nvSpPr>
-        <p:spPr/>
-        <p:txBody>
-          <a:bodyPr/>
-          <a:lstStyle/>
-          <a:p>
-            <a:r>
               <a:rPr lang="en-CA" dirty="0"/>
               <a:t>English</a:t>
             </a:r>
@@ -6486,7 +6334,7 @@
             <a:pPr lvl="1"/>
             <a:r>
               <a:rPr lang="en-CA" dirty="0"/>
-              <a:t>Where is the house?</a:t>
+              <a:t>Hi, I’m Jon!</a:t>
             </a:r>
           </a:p>
           <a:p>
@@ -6498,28 +6346,16 @@
           <a:p>
             <a:pPr lvl="1"/>
             <a:r>
+              <a:rPr lang="en-CA" dirty="0"/>
+              <a:t>Salut, je </a:t>
+            </a:r>
+            <a:r>
               <a:rPr lang="en-CA" dirty="0" err="1"/>
-              <a:t>Ou</a:t>
+              <a:t>m’appelle</a:t>
             </a:r>
             <a:r>
               <a:rPr lang="en-CA" dirty="0"/>
-              <a:t> </a:t>
-            </a:r>
-            <a:r>
-              <a:rPr lang="en-CA" dirty="0" err="1"/>
-              <a:t>est</a:t>
-            </a:r>
-            <a:r>
-              <a:rPr lang="en-CA" dirty="0"/>
-              <a:t> la </a:t>
-            </a:r>
-            <a:r>
-              <a:rPr lang="en-CA" dirty="0" err="1"/>
-              <a:t>maison</a:t>
-            </a:r>
-            <a:r>
-              <a:rPr lang="en-CA" dirty="0"/>
-              <a:t>?</a:t>
+              <a:t> Jon!</a:t>
             </a:r>
           </a:p>
           <a:p>
@@ -6532,7 +6368,7 @@
             <a:pPr lvl="1"/>
             <a:r>
               <a:rPr lang="he-IL" dirty="0"/>
-              <a:t>איפה הבית?</a:t>
+              <a:t>היי, אני ג 'ון.</a:t>
             </a:r>
             <a:endParaRPr lang="en-CA" dirty="0"/>
           </a:p>
@@ -6546,7 +6382,7 @@
             <a:pPr lvl="1"/>
             <a:r>
               <a:rPr lang="az-Cyrl-AZ" dirty="0"/>
-              <a:t>Где дом?</a:t>
+              <a:t>Привет, я Джон.</a:t>
             </a:r>
             <a:endParaRPr lang="en-CA" dirty="0"/>
           </a:p>
@@ -6555,7 +6391,7 @@
     </p:spTree>
     <p:extLst>
       <p:ext uri="{BB962C8B-B14F-4D97-AF65-F5344CB8AC3E}">
-        <p14:creationId xmlns:p14="http://schemas.microsoft.com/office/powerpoint/2010/main" val="2934227811"/>
+        <p14:creationId xmlns:p14="http://schemas.microsoft.com/office/powerpoint/2010/main" val="29268256"/>
       </p:ext>
     </p:extLst>
   </p:cSld>
@@ -6596,10 +6432,10 @@
       </p:grpSpPr>
       <p:sp>
         <p:nvSpPr>
-          <p:cNvPr id="2" name="Title 1">
+          <p:cNvPr id="5" name="Title 4">
             <a:extLst>
               <a:ext uri="{FF2B5EF4-FFF2-40B4-BE49-F238E27FC236}">
-                <a16:creationId xmlns:a16="http://schemas.microsoft.com/office/drawing/2014/main" id="{9A0BB655-5B2A-49B4-95A3-03E916FD22FC}"/>
+                <a16:creationId xmlns:a16="http://schemas.microsoft.com/office/drawing/2014/main" id="{20D50B17-C1DD-4A35-B03A-F24C6205C49D}"/>
               </a:ext>
             </a:extLst>
           </p:cNvPr>
@@ -6617,17 +6453,17 @@
           <a:p>
             <a:r>
               <a:rPr lang="en-CA" dirty="0"/>
-              <a:t>Programming languages are the same…</a:t>
-            </a:r>
-          </a:p>
-        </p:txBody>
-      </p:sp>
-      <p:sp>
-        <p:nvSpPr>
-          <p:cNvPr id="9" name="Text Placeholder 8">
+              <a:t>Languages around the world…</a:t>
+            </a:r>
+          </a:p>
+        </p:txBody>
+      </p:sp>
+      <p:sp>
+        <p:nvSpPr>
+          <p:cNvPr id="6" name="Content Placeholder 5">
             <a:extLst>
               <a:ext uri="{FF2B5EF4-FFF2-40B4-BE49-F238E27FC236}">
-                <a16:creationId xmlns:a16="http://schemas.microsoft.com/office/drawing/2014/main" id="{F4F826C7-FD0F-43C0-BB6E-E1E925C0902B}"/>
+                <a16:creationId xmlns:a16="http://schemas.microsoft.com/office/drawing/2014/main" id="{C9F28EDC-FA94-4325-9889-9D037D9310AC}"/>
               </a:ext>
             </a:extLst>
           </p:cNvPr>
@@ -6635,7 +6471,7 @@
             <a:spLocks noGrp="1"/>
           </p:cNvSpPr>
           <p:nvPr>
-            <p:ph type="body" idx="1"/>
+            <p:ph sz="half" idx="1"/>
           </p:nvPr>
         </p:nvSpPr>
         <p:spPr/>
@@ -6644,18 +6480,146 @@
           <a:lstStyle/>
           <a:p>
             <a:r>
-              <a:rPr lang="en-CA" dirty="0"/>
-              <a:t>Python</a:t>
-            </a:r>
-          </a:p>
-        </p:txBody>
-      </p:sp>
-      <p:sp>
-        <p:nvSpPr>
-          <p:cNvPr id="10" name="Content Placeholder 9">
+              <a:rPr lang="en-CA" dirty="0">
+                <a:solidFill>
+                  <a:schemeClr val="tx1">
+                    <a:lumMod val="50000"/>
+                  </a:schemeClr>
+                </a:solidFill>
+              </a:rPr>
+              <a:t>English</a:t>
+            </a:r>
+          </a:p>
+          <a:p>
+            <a:pPr lvl="1"/>
+            <a:r>
+              <a:rPr lang="en-CA" dirty="0">
+                <a:solidFill>
+                  <a:schemeClr val="tx1">
+                    <a:lumMod val="50000"/>
+                  </a:schemeClr>
+                </a:solidFill>
+              </a:rPr>
+              <a:t>Hi, I’m Jon!</a:t>
+            </a:r>
+          </a:p>
+          <a:p>
+            <a:r>
+              <a:rPr lang="en-CA" dirty="0">
+                <a:solidFill>
+                  <a:schemeClr val="tx1">
+                    <a:lumMod val="50000"/>
+                  </a:schemeClr>
+                </a:solidFill>
+              </a:rPr>
+              <a:t>French</a:t>
+            </a:r>
+          </a:p>
+          <a:p>
+            <a:pPr lvl="1"/>
+            <a:r>
+              <a:rPr lang="en-CA" dirty="0">
+                <a:solidFill>
+                  <a:schemeClr val="tx1">
+                    <a:lumMod val="50000"/>
+                  </a:schemeClr>
+                </a:solidFill>
+              </a:rPr>
+              <a:t>Salut, je </a:t>
+            </a:r>
+            <a:r>
+              <a:rPr lang="en-CA" dirty="0" err="1">
+                <a:solidFill>
+                  <a:schemeClr val="tx1">
+                    <a:lumMod val="50000"/>
+                  </a:schemeClr>
+                </a:solidFill>
+              </a:rPr>
+              <a:t>m’appelle</a:t>
+            </a:r>
+            <a:r>
+              <a:rPr lang="en-CA" dirty="0">
+                <a:solidFill>
+                  <a:schemeClr val="tx1">
+                    <a:lumMod val="50000"/>
+                  </a:schemeClr>
+                </a:solidFill>
+              </a:rPr>
+              <a:t> Jon!</a:t>
+            </a:r>
+          </a:p>
+          <a:p>
+            <a:r>
+              <a:rPr lang="en-CA" dirty="0">
+                <a:solidFill>
+                  <a:schemeClr val="tx1">
+                    <a:lumMod val="50000"/>
+                  </a:schemeClr>
+                </a:solidFill>
+              </a:rPr>
+              <a:t>Hebrew</a:t>
+            </a:r>
+          </a:p>
+          <a:p>
+            <a:pPr lvl="1"/>
+            <a:r>
+              <a:rPr lang="he-IL" dirty="0">
+                <a:solidFill>
+                  <a:schemeClr val="tx1">
+                    <a:lumMod val="50000"/>
+                  </a:schemeClr>
+                </a:solidFill>
+              </a:rPr>
+              <a:t>היי, אני ג 'ון.</a:t>
+            </a:r>
+            <a:endParaRPr lang="en-CA" dirty="0">
+              <a:solidFill>
+                <a:schemeClr val="tx1">
+                  <a:lumMod val="50000"/>
+                </a:schemeClr>
+              </a:solidFill>
+            </a:endParaRPr>
+          </a:p>
+          <a:p>
+            <a:r>
+              <a:rPr lang="en-CA" dirty="0">
+                <a:solidFill>
+                  <a:schemeClr val="tx1">
+                    <a:lumMod val="50000"/>
+                  </a:schemeClr>
+                </a:solidFill>
+              </a:rPr>
+              <a:t>Russian</a:t>
+            </a:r>
+          </a:p>
+          <a:p>
+            <a:pPr lvl="1"/>
+            <a:r>
+              <a:rPr lang="az-Cyrl-AZ" dirty="0">
+                <a:solidFill>
+                  <a:schemeClr val="tx1">
+                    <a:lumMod val="50000"/>
+                  </a:schemeClr>
+                </a:solidFill>
+              </a:rPr>
+              <a:t>Привет, я Джон.</a:t>
+            </a:r>
+            <a:endParaRPr lang="en-CA" dirty="0">
+              <a:solidFill>
+                <a:schemeClr val="tx1">
+                  <a:lumMod val="50000"/>
+                </a:schemeClr>
+              </a:solidFill>
+            </a:endParaRPr>
+          </a:p>
+        </p:txBody>
+      </p:sp>
+      <p:sp>
+        <p:nvSpPr>
+          <p:cNvPr id="15" name="Content Placeholder 14">
             <a:extLst>
               <a:ext uri="{FF2B5EF4-FFF2-40B4-BE49-F238E27FC236}">
-                <a16:creationId xmlns:a16="http://schemas.microsoft.com/office/drawing/2014/main" id="{2D89F8B2-4AA5-40C9-AE9E-A7915A6E4C85}"/>
+                <a16:creationId xmlns:a16="http://schemas.microsoft.com/office/drawing/2014/main" id="{698EBC3A-8A0F-4610-9DF1-22175657B53F}"/>
               </a:ext>
             </a:extLst>
           </p:cNvPr>
@@ -6666,171 +6630,90 @@
             <p:ph sz="half" idx="2"/>
           </p:nvPr>
         </p:nvSpPr>
-        <p:spPr>
-          <a:xfrm>
-            <a:off x="1218883" y="2717800"/>
-            <a:ext cx="3651393" cy="3454400"/>
-          </a:xfrm>
-        </p:spPr>
+        <p:spPr/>
         <p:txBody>
           <a:bodyPr/>
           <a:lstStyle/>
           <a:p>
-            <a:pPr marL="0" indent="0">
-              <a:buNone/>
-            </a:pPr>
-            <a:r>
-              <a:rPr lang="en-CA" sz="2000" dirty="0">
-                <a:latin typeface="Consolas" panose="020B0609020204030204" pitchFamily="49" charset="0"/>
-              </a:rPr>
-              <a:t>print(“Hello, world!”)</a:t>
-            </a:r>
-          </a:p>
-        </p:txBody>
-      </p:sp>
-      <p:sp>
-        <p:nvSpPr>
-          <p:cNvPr id="11" name="Text Placeholder 10">
-            <a:extLst>
-              <a:ext uri="{FF2B5EF4-FFF2-40B4-BE49-F238E27FC236}">
-                <a16:creationId xmlns:a16="http://schemas.microsoft.com/office/drawing/2014/main" id="{A931ADC2-D848-47C3-9EF8-83D1C273B195}"/>
-              </a:ext>
-            </a:extLst>
-          </p:cNvPr>
-          <p:cNvSpPr>
-            <a:spLocks noGrp="1"/>
-          </p:cNvSpPr>
-          <p:nvPr>
-            <p:ph type="body" sz="quarter" idx="3"/>
-          </p:nvPr>
-        </p:nvSpPr>
-        <p:spPr>
-          <a:xfrm>
-            <a:off x="5086300" y="1803400"/>
-            <a:ext cx="5082740" cy="914400"/>
-          </a:xfrm>
-        </p:spPr>
-        <p:txBody>
-          <a:bodyPr/>
-          <a:lstStyle/>
-          <a:p>
             <a:r>
               <a:rPr lang="en-CA" dirty="0"/>
-              <a:t>Java</a:t>
-            </a:r>
-          </a:p>
-        </p:txBody>
-      </p:sp>
-      <p:sp>
-        <p:nvSpPr>
-          <p:cNvPr id="12" name="Content Placeholder 11">
-            <a:extLst>
-              <a:ext uri="{FF2B5EF4-FFF2-40B4-BE49-F238E27FC236}">
-                <a16:creationId xmlns:a16="http://schemas.microsoft.com/office/drawing/2014/main" id="{90268CAB-0969-401F-94B0-9BFBBEE27849}"/>
-              </a:ext>
-            </a:extLst>
-          </p:cNvPr>
-          <p:cNvSpPr>
-            <a:spLocks noGrp="1"/>
-          </p:cNvSpPr>
-          <p:nvPr>
-            <p:ph sz="quarter" idx="4"/>
-          </p:nvPr>
-        </p:nvSpPr>
-        <p:spPr>
-          <a:xfrm>
-            <a:off x="5090363" y="2717800"/>
-            <a:ext cx="6460305" cy="3454400"/>
-          </a:xfrm>
-        </p:spPr>
-        <p:txBody>
-          <a:bodyPr/>
-          <a:lstStyle/>
-          <a:p>
-            <a:pPr marL="0" indent="0">
-              <a:buNone/>
-            </a:pPr>
-            <a:r>
-              <a:rPr lang="en-CA" sz="2000" dirty="0">
-                <a:latin typeface="Consolas" panose="020B0609020204030204" pitchFamily="49" charset="0"/>
-              </a:rPr>
-              <a:t>class HelloWorld {</a:t>
-            </a:r>
-          </a:p>
-          <a:p>
-            <a:pPr marL="0" indent="0">
-              <a:buNone/>
-            </a:pPr>
-            <a:r>
-              <a:rPr lang="en-CA" sz="2000" dirty="0">
-                <a:latin typeface="Consolas" panose="020B0609020204030204" pitchFamily="49" charset="0"/>
-              </a:rPr>
-              <a:t>    public static void main(String[] </a:t>
-            </a:r>
-            <a:r>
-              <a:rPr lang="en-CA" sz="2000" dirty="0" err="1">
-                <a:latin typeface="Consolas" panose="020B0609020204030204" pitchFamily="49" charset="0"/>
-              </a:rPr>
-              <a:t>args</a:t>
-            </a:r>
-            <a:r>
-              <a:rPr lang="en-CA" sz="2000" dirty="0">
-                <a:latin typeface="Consolas" panose="020B0609020204030204" pitchFamily="49" charset="0"/>
-              </a:rPr>
-              <a:t>) {</a:t>
-            </a:r>
-          </a:p>
-          <a:p>
-            <a:pPr marL="0" indent="0">
-              <a:buNone/>
-            </a:pPr>
-            <a:r>
-              <a:rPr lang="en-CA" sz="2000" dirty="0">
-                <a:latin typeface="Consolas" panose="020B0609020204030204" pitchFamily="49" charset="0"/>
-              </a:rPr>
-              <a:t>        </a:t>
-            </a:r>
-            <a:r>
-              <a:rPr lang="en-CA" sz="2000" dirty="0" err="1">
-                <a:latin typeface="Consolas" panose="020B0609020204030204" pitchFamily="49" charset="0"/>
-              </a:rPr>
-              <a:t>System.out.println</a:t>
-            </a:r>
-            <a:r>
-              <a:rPr lang="en-CA" sz="2000" dirty="0">
-                <a:latin typeface="Consolas" panose="020B0609020204030204" pitchFamily="49" charset="0"/>
-              </a:rPr>
-              <a:t>(“Hello, world!”);</a:t>
-            </a:r>
-          </a:p>
-          <a:p>
-            <a:pPr marL="0" indent="0">
-              <a:buNone/>
-            </a:pPr>
-            <a:r>
-              <a:rPr lang="en-CA" sz="2000" dirty="0">
-                <a:latin typeface="Consolas" panose="020B0609020204030204" pitchFamily="49" charset="0"/>
-              </a:rPr>
-              <a:t>    }</a:t>
-            </a:r>
-          </a:p>
-          <a:p>
-            <a:pPr marL="0" indent="0">
-              <a:buNone/>
-            </a:pPr>
-            <a:r>
-              <a:rPr lang="en-CA" sz="2000" dirty="0">
-                <a:latin typeface="Consolas" panose="020B0609020204030204" pitchFamily="49" charset="0"/>
-              </a:rPr>
-              <a:t>}</a:t>
-            </a:r>
+              <a:t>English</a:t>
+            </a:r>
+          </a:p>
+          <a:p>
+            <a:pPr lvl="1"/>
+            <a:r>
+              <a:rPr lang="en-CA" dirty="0"/>
+              <a:t>Where is the house?</a:t>
+            </a:r>
+          </a:p>
+          <a:p>
+            <a:r>
+              <a:rPr lang="en-CA" dirty="0"/>
+              <a:t>French</a:t>
+            </a:r>
+          </a:p>
+          <a:p>
+            <a:pPr lvl="1"/>
+            <a:r>
+              <a:rPr lang="en-CA" dirty="0" err="1"/>
+              <a:t>Ou</a:t>
+            </a:r>
+            <a:r>
+              <a:rPr lang="en-CA" dirty="0"/>
+              <a:t> </a:t>
+            </a:r>
+            <a:r>
+              <a:rPr lang="en-CA" dirty="0" err="1"/>
+              <a:t>est</a:t>
+            </a:r>
+            <a:r>
+              <a:rPr lang="en-CA" dirty="0"/>
+              <a:t> la </a:t>
+            </a:r>
+            <a:r>
+              <a:rPr lang="en-CA" dirty="0" err="1"/>
+              <a:t>maison</a:t>
+            </a:r>
+            <a:r>
+              <a:rPr lang="en-CA" dirty="0"/>
+              <a:t>?</a:t>
+            </a:r>
+          </a:p>
+          <a:p>
+            <a:r>
+              <a:rPr lang="en-CA" dirty="0"/>
+              <a:t>Hebrew</a:t>
+            </a:r>
+          </a:p>
+          <a:p>
+            <a:pPr lvl="1"/>
+            <a:r>
+              <a:rPr lang="he-IL" dirty="0"/>
+              <a:t>איפה הבית?</a:t>
+            </a:r>
+            <a:endParaRPr lang="en-CA" dirty="0"/>
+          </a:p>
+          <a:p>
+            <a:r>
+              <a:rPr lang="en-CA" dirty="0"/>
+              <a:t>Russian</a:t>
+            </a:r>
+          </a:p>
+          <a:p>
+            <a:pPr lvl="1"/>
+            <a:r>
+              <a:rPr lang="az-Cyrl-AZ" dirty="0"/>
+              <a:t>Где дом?</a:t>
+            </a:r>
+            <a:endParaRPr lang="en-CA" dirty="0"/>
           </a:p>
         </p:txBody>
       </p:sp>
     </p:spTree>
     <p:extLst>
       <p:ext uri="{BB962C8B-B14F-4D97-AF65-F5344CB8AC3E}">
-        <p14:creationId xmlns:p14="http://schemas.microsoft.com/office/powerpoint/2010/main" val="2735413460"/>
+        <p14:creationId xmlns:p14="http://schemas.microsoft.com/office/powerpoint/2010/main" val="2934227811"/>
       </p:ext>
     </p:extLst>
   </p:cSld>
@@ -7102,6 +6985,281 @@
           </a:p>
         </p:txBody>
       </p:sp>
+    </p:spTree>
+    <p:extLst>
+      <p:ext uri="{BB962C8B-B14F-4D97-AF65-F5344CB8AC3E}">
+        <p14:creationId xmlns:p14="http://schemas.microsoft.com/office/powerpoint/2010/main" val="2735413460"/>
+      </p:ext>
+    </p:extLst>
+  </p:cSld>
+  <p:clrMapOvr>
+    <a:masterClrMapping/>
+  </p:clrMapOvr>
+  <mc:AlternateContent xmlns:mc="http://schemas.openxmlformats.org/markup-compatibility/2006" xmlns:p14="http://schemas.microsoft.com/office/powerpoint/2010/main">
+    <mc:Choice Requires="p14">
+      <p:transition spd="med" p14:dur="700">
+        <p:fade/>
+      </p:transition>
+    </mc:Choice>
+    <mc:Fallback xmlns="">
+      <p:transition spd="med">
+        <p:fade/>
+      </p:transition>
+    </mc:Fallback>
+  </mc:AlternateContent>
+</p:sld>
+</file>
+
+<file path=ppt/slides/slide17.xml><?xml version="1.0" encoding="utf-8"?>
+<p:sld xmlns:a="http://schemas.openxmlformats.org/drawingml/2006/main" xmlns:r="http://schemas.openxmlformats.org/officeDocument/2006/relationships" xmlns:p="http://schemas.openxmlformats.org/presentationml/2006/main">
+  <p:cSld>
+    <p:spTree>
+      <p:nvGrpSpPr>
+        <p:cNvPr id="1" name=""/>
+        <p:cNvGrpSpPr/>
+        <p:nvPr/>
+      </p:nvGrpSpPr>
+      <p:grpSpPr>
+        <a:xfrm>
+          <a:off x="0" y="0"/>
+          <a:ext cx="0" cy="0"/>
+          <a:chOff x="0" y="0"/>
+          <a:chExt cx="0" cy="0"/>
+        </a:xfrm>
+      </p:grpSpPr>
+      <p:sp>
+        <p:nvSpPr>
+          <p:cNvPr id="2" name="Title 1">
+            <a:extLst>
+              <a:ext uri="{FF2B5EF4-FFF2-40B4-BE49-F238E27FC236}">
+                <a16:creationId xmlns:a16="http://schemas.microsoft.com/office/drawing/2014/main" id="{9A0BB655-5B2A-49B4-95A3-03E916FD22FC}"/>
+              </a:ext>
+            </a:extLst>
+          </p:cNvPr>
+          <p:cNvSpPr>
+            <a:spLocks noGrp="1"/>
+          </p:cNvSpPr>
+          <p:nvPr>
+            <p:ph type="title"/>
+          </p:nvPr>
+        </p:nvSpPr>
+        <p:spPr/>
+        <p:txBody>
+          <a:bodyPr/>
+          <a:lstStyle/>
+          <a:p>
+            <a:r>
+              <a:rPr lang="en-CA" dirty="0"/>
+              <a:t>Programming languages are the same…</a:t>
+            </a:r>
+          </a:p>
+        </p:txBody>
+      </p:sp>
+      <p:sp>
+        <p:nvSpPr>
+          <p:cNvPr id="9" name="Text Placeholder 8">
+            <a:extLst>
+              <a:ext uri="{FF2B5EF4-FFF2-40B4-BE49-F238E27FC236}">
+                <a16:creationId xmlns:a16="http://schemas.microsoft.com/office/drawing/2014/main" id="{F4F826C7-FD0F-43C0-BB6E-E1E925C0902B}"/>
+              </a:ext>
+            </a:extLst>
+          </p:cNvPr>
+          <p:cNvSpPr>
+            <a:spLocks noGrp="1"/>
+          </p:cNvSpPr>
+          <p:nvPr>
+            <p:ph type="body" idx="1"/>
+          </p:nvPr>
+        </p:nvSpPr>
+        <p:spPr/>
+        <p:txBody>
+          <a:bodyPr/>
+          <a:lstStyle/>
+          <a:p>
+            <a:r>
+              <a:rPr lang="en-CA" dirty="0"/>
+              <a:t>Python</a:t>
+            </a:r>
+          </a:p>
+        </p:txBody>
+      </p:sp>
+      <p:sp>
+        <p:nvSpPr>
+          <p:cNvPr id="10" name="Content Placeholder 9">
+            <a:extLst>
+              <a:ext uri="{FF2B5EF4-FFF2-40B4-BE49-F238E27FC236}">
+                <a16:creationId xmlns:a16="http://schemas.microsoft.com/office/drawing/2014/main" id="{2D89F8B2-4AA5-40C9-AE9E-A7915A6E4C85}"/>
+              </a:ext>
+            </a:extLst>
+          </p:cNvPr>
+          <p:cNvSpPr>
+            <a:spLocks noGrp="1"/>
+          </p:cNvSpPr>
+          <p:nvPr>
+            <p:ph sz="half" idx="2"/>
+          </p:nvPr>
+        </p:nvSpPr>
+        <p:spPr>
+          <a:xfrm>
+            <a:off x="1218883" y="2717800"/>
+            <a:ext cx="3651393" cy="3454400"/>
+          </a:xfrm>
+        </p:spPr>
+        <p:txBody>
+          <a:bodyPr/>
+          <a:lstStyle/>
+          <a:p>
+            <a:pPr marL="0" indent="0">
+              <a:buNone/>
+            </a:pPr>
+            <a:r>
+              <a:rPr lang="en-CA" sz="2000" dirty="0">
+                <a:latin typeface="Consolas" panose="020B0609020204030204" pitchFamily="49" charset="0"/>
+              </a:rPr>
+              <a:t>print(“Hello, world!”)</a:t>
+            </a:r>
+          </a:p>
+        </p:txBody>
+      </p:sp>
+      <p:sp>
+        <p:nvSpPr>
+          <p:cNvPr id="11" name="Text Placeholder 10">
+            <a:extLst>
+              <a:ext uri="{FF2B5EF4-FFF2-40B4-BE49-F238E27FC236}">
+                <a16:creationId xmlns:a16="http://schemas.microsoft.com/office/drawing/2014/main" id="{A931ADC2-D848-47C3-9EF8-83D1C273B195}"/>
+              </a:ext>
+            </a:extLst>
+          </p:cNvPr>
+          <p:cNvSpPr>
+            <a:spLocks noGrp="1"/>
+          </p:cNvSpPr>
+          <p:nvPr>
+            <p:ph type="body" sz="quarter" idx="3"/>
+          </p:nvPr>
+        </p:nvSpPr>
+        <p:spPr>
+          <a:xfrm>
+            <a:off x="5086300" y="1803400"/>
+            <a:ext cx="5082740" cy="914400"/>
+          </a:xfrm>
+        </p:spPr>
+        <p:txBody>
+          <a:bodyPr/>
+          <a:lstStyle/>
+          <a:p>
+            <a:r>
+              <a:rPr lang="en-CA" dirty="0"/>
+              <a:t>Java</a:t>
+            </a:r>
+          </a:p>
+        </p:txBody>
+      </p:sp>
+      <p:sp>
+        <p:nvSpPr>
+          <p:cNvPr id="12" name="Content Placeholder 11">
+            <a:extLst>
+              <a:ext uri="{FF2B5EF4-FFF2-40B4-BE49-F238E27FC236}">
+                <a16:creationId xmlns:a16="http://schemas.microsoft.com/office/drawing/2014/main" id="{90268CAB-0969-401F-94B0-9BFBBEE27849}"/>
+              </a:ext>
+            </a:extLst>
+          </p:cNvPr>
+          <p:cNvSpPr>
+            <a:spLocks noGrp="1"/>
+          </p:cNvSpPr>
+          <p:nvPr>
+            <p:ph sz="quarter" idx="4"/>
+          </p:nvPr>
+        </p:nvSpPr>
+        <p:spPr>
+          <a:xfrm>
+            <a:off x="5090363" y="2717800"/>
+            <a:ext cx="6460305" cy="3454400"/>
+          </a:xfrm>
+        </p:spPr>
+        <p:txBody>
+          <a:bodyPr/>
+          <a:lstStyle/>
+          <a:p>
+            <a:pPr marL="0" indent="0">
+              <a:buNone/>
+            </a:pPr>
+            <a:r>
+              <a:rPr lang="en-CA" sz="2000" dirty="0">
+                <a:latin typeface="Consolas" panose="020B0609020204030204" pitchFamily="49" charset="0"/>
+              </a:rPr>
+              <a:t>class HelloWorld {</a:t>
+            </a:r>
+          </a:p>
+          <a:p>
+            <a:pPr marL="0" indent="0">
+              <a:buNone/>
+            </a:pPr>
+            <a:r>
+              <a:rPr lang="en-CA" sz="2000" dirty="0">
+                <a:latin typeface="Consolas" panose="020B0609020204030204" pitchFamily="49" charset="0"/>
+              </a:rPr>
+              <a:t>    public static void main(String[] </a:t>
+            </a:r>
+            <a:r>
+              <a:rPr lang="en-CA" sz="2000" dirty="0" err="1">
+                <a:latin typeface="Consolas" panose="020B0609020204030204" pitchFamily="49" charset="0"/>
+              </a:rPr>
+              <a:t>args</a:t>
+            </a:r>
+            <a:r>
+              <a:rPr lang="en-CA" sz="2000" dirty="0">
+                <a:latin typeface="Consolas" panose="020B0609020204030204" pitchFamily="49" charset="0"/>
+              </a:rPr>
+              <a:t>) {</a:t>
+            </a:r>
+          </a:p>
+          <a:p>
+            <a:pPr marL="0" indent="0">
+              <a:buNone/>
+            </a:pPr>
+            <a:r>
+              <a:rPr lang="en-CA" sz="2000" dirty="0">
+                <a:latin typeface="Consolas" panose="020B0609020204030204" pitchFamily="49" charset="0"/>
+              </a:rPr>
+              <a:t>        </a:t>
+            </a:r>
+            <a:r>
+              <a:rPr lang="en-CA" sz="2000" dirty="0" err="1">
+                <a:latin typeface="Consolas" panose="020B0609020204030204" pitchFamily="49" charset="0"/>
+              </a:rPr>
+              <a:t>System.out.println</a:t>
+            </a:r>
+            <a:r>
+              <a:rPr lang="en-CA" sz="2000" dirty="0">
+                <a:latin typeface="Consolas" panose="020B0609020204030204" pitchFamily="49" charset="0"/>
+              </a:rPr>
+              <a:t>(“Hello, world!”);</a:t>
+            </a:r>
+          </a:p>
+          <a:p>
+            <a:pPr marL="0" indent="0">
+              <a:buNone/>
+            </a:pPr>
+            <a:r>
+              <a:rPr lang="en-CA" sz="2000" dirty="0">
+                <a:latin typeface="Consolas" panose="020B0609020204030204" pitchFamily="49" charset="0"/>
+              </a:rPr>
+              <a:t>    }</a:t>
+            </a:r>
+          </a:p>
+          <a:p>
+            <a:pPr marL="0" indent="0">
+              <a:buNone/>
+            </a:pPr>
+            <a:r>
+              <a:rPr lang="en-CA" sz="2000" dirty="0">
+                <a:latin typeface="Consolas" panose="020B0609020204030204" pitchFamily="49" charset="0"/>
+              </a:rPr>
+              <a:t>}</a:t>
+            </a:r>
+          </a:p>
+        </p:txBody>
+      </p:sp>
       <p:sp>
         <p:nvSpPr>
           <p:cNvPr id="13" name="TextBox 12">
@@ -7227,7 +7385,7 @@
 </p:sld>
 </file>
 
-<file path=ppt/slides/slide17.xml><?xml version="1.0" encoding="utf-8"?>
+<file path=ppt/slides/slide18.xml><?xml version="1.0" encoding="utf-8"?>
 <p:sld xmlns:a="http://schemas.openxmlformats.org/drawingml/2006/main" xmlns:r="http://schemas.openxmlformats.org/officeDocument/2006/relationships" xmlns:p="http://schemas.openxmlformats.org/presentationml/2006/main">
   <p:cSld>
     <p:spTree>
@@ -7811,163 +7969,6 @@
 </p:sld>
 </file>
 
-<file path=ppt/slides/slide18.xml><?xml version="1.0" encoding="utf-8"?>
-<p:sld xmlns:a="http://schemas.openxmlformats.org/drawingml/2006/main" xmlns:r="http://schemas.openxmlformats.org/officeDocument/2006/relationships" xmlns:p="http://schemas.openxmlformats.org/presentationml/2006/main">
-  <p:cSld>
-    <p:spTree>
-      <p:nvGrpSpPr>
-        <p:cNvPr id="1" name=""/>
-        <p:cNvGrpSpPr/>
-        <p:nvPr/>
-      </p:nvGrpSpPr>
-      <p:grpSpPr>
-        <a:xfrm>
-          <a:off x="0" y="0"/>
-          <a:ext cx="0" cy="0"/>
-          <a:chOff x="0" y="0"/>
-          <a:chExt cx="0" cy="0"/>
-        </a:xfrm>
-      </p:grpSpPr>
-      <p:sp>
-        <p:nvSpPr>
-          <p:cNvPr id="2" name="Title 1">
-            <a:extLst>
-              <a:ext uri="{FF2B5EF4-FFF2-40B4-BE49-F238E27FC236}">
-                <a16:creationId xmlns:a16="http://schemas.microsoft.com/office/drawing/2014/main" id="{432AD15F-16B8-4E3C-A18C-2782573A4EBF}"/>
-              </a:ext>
-            </a:extLst>
-          </p:cNvPr>
-          <p:cNvSpPr>
-            <a:spLocks noGrp="1"/>
-          </p:cNvSpPr>
-          <p:nvPr>
-            <p:ph type="title"/>
-          </p:nvPr>
-        </p:nvSpPr>
-        <p:spPr/>
-        <p:txBody>
-          <a:bodyPr/>
-          <a:lstStyle/>
-          <a:p>
-            <a:r>
-              <a:rPr lang="en-CA" dirty="0"/>
-              <a:t>Let’s build </a:t>
-            </a:r>
-            <a:r>
-              <a:rPr lang="en-CA"/>
-              <a:t>a riddle game!</a:t>
-            </a:r>
-            <a:endParaRPr lang="en-CA" dirty="0"/>
-          </a:p>
-        </p:txBody>
-      </p:sp>
-      <p:sp>
-        <p:nvSpPr>
-          <p:cNvPr id="3" name="Content Placeholder 2">
-            <a:extLst>
-              <a:ext uri="{FF2B5EF4-FFF2-40B4-BE49-F238E27FC236}">
-                <a16:creationId xmlns:a16="http://schemas.microsoft.com/office/drawing/2014/main" id="{475869C4-027F-4B2D-960B-323C06982064}"/>
-              </a:ext>
-            </a:extLst>
-          </p:cNvPr>
-          <p:cNvSpPr>
-            <a:spLocks noGrp="1"/>
-          </p:cNvSpPr>
-          <p:nvPr>
-            <p:ph idx="1"/>
-          </p:nvPr>
-        </p:nvSpPr>
-        <p:spPr/>
-        <p:txBody>
-          <a:bodyPr/>
-          <a:lstStyle/>
-          <a:p>
-            <a:pPr marL="514350" indent="-514350">
-              <a:buFont typeface="+mj-lt"/>
-              <a:buAutoNum type="arabicPeriod"/>
-            </a:pPr>
-            <a:r>
-              <a:rPr lang="en-CA" dirty="0"/>
-              <a:t>Computer asks user a riddle.</a:t>
-            </a:r>
-          </a:p>
-          <a:p>
-            <a:pPr marL="514350" indent="-514350">
-              <a:buFont typeface="+mj-lt"/>
-              <a:buAutoNum type="arabicPeriod"/>
-            </a:pPr>
-            <a:r>
-              <a:rPr lang="en-CA" dirty="0"/>
-              <a:t>User inputs an answer.</a:t>
-            </a:r>
-          </a:p>
-          <a:p>
-            <a:pPr marL="514350" indent="-514350">
-              <a:buFont typeface="+mj-lt"/>
-              <a:buAutoNum type="arabicPeriod"/>
-            </a:pPr>
-            <a:r>
-              <a:rPr lang="en-CA" dirty="0"/>
-              <a:t>Computer saves user’s answer to a persistent file.</a:t>
-            </a:r>
-          </a:p>
-          <a:p>
-            <a:pPr marL="514350" indent="-514350">
-              <a:buFont typeface="+mj-lt"/>
-              <a:buAutoNum type="arabicPeriod"/>
-            </a:pPr>
-            <a:r>
-              <a:rPr lang="en-CA" dirty="0"/>
-              <a:t>Computer checks answer against correct answer.</a:t>
-            </a:r>
-          </a:p>
-          <a:p>
-            <a:pPr marL="514350" indent="-514350">
-              <a:buFont typeface="+mj-lt"/>
-              <a:buAutoNum type="arabicPeriod"/>
-            </a:pPr>
-            <a:r>
-              <a:rPr lang="en-CA" dirty="0"/>
-              <a:t>Computer responds with a message letting the user know how they did.</a:t>
-            </a:r>
-          </a:p>
-          <a:p>
-            <a:pPr marL="514350" indent="-514350">
-              <a:buFont typeface="+mj-lt"/>
-              <a:buAutoNum type="arabicPeriod"/>
-            </a:pPr>
-            <a:r>
-              <a:rPr lang="en-CA" dirty="0"/>
-              <a:t>Computer shows past user attempts at the riddle.</a:t>
-            </a:r>
-          </a:p>
-        </p:txBody>
-      </p:sp>
-    </p:spTree>
-    <p:extLst>
-      <p:ext uri="{BB962C8B-B14F-4D97-AF65-F5344CB8AC3E}">
-        <p14:creationId xmlns:p14="http://schemas.microsoft.com/office/powerpoint/2010/main" val="3575180853"/>
-      </p:ext>
-    </p:extLst>
-  </p:cSld>
-  <p:clrMapOvr>
-    <a:masterClrMapping/>
-  </p:clrMapOvr>
-  <mc:AlternateContent xmlns:mc="http://schemas.openxmlformats.org/markup-compatibility/2006" xmlns:p14="http://schemas.microsoft.com/office/powerpoint/2010/main">
-    <mc:Choice Requires="p14">
-      <p:transition spd="med" p14:dur="700">
-        <p:fade/>
-      </p:transition>
-    </mc:Choice>
-    <mc:Fallback xmlns="">
-      <p:transition spd="med">
-        <p:fade/>
-      </p:transition>
-    </mc:Fallback>
-  </mc:AlternateContent>
-</p:sld>
-</file>
-
 <file path=ppt/slides/slide19.xml><?xml version="1.0" encoding="utf-8"?>
 <p:sld xmlns:a="http://schemas.openxmlformats.org/drawingml/2006/main" xmlns:r="http://schemas.openxmlformats.org/officeDocument/2006/relationships" xmlns:p="http://schemas.openxmlformats.org/presentationml/2006/main">
   <p:cSld>
@@ -7990,7 +7991,7 @@
           <p:cNvPr id="2" name="Title 1">
             <a:extLst>
               <a:ext uri="{FF2B5EF4-FFF2-40B4-BE49-F238E27FC236}">
-                <a16:creationId xmlns:a16="http://schemas.microsoft.com/office/drawing/2014/main" id="{A021A12E-7266-4AEC-B6FA-A7C070AADB65}"/>
+                <a16:creationId xmlns:a16="http://schemas.microsoft.com/office/drawing/2014/main" id="{432AD15F-16B8-4E3C-A18C-2782573A4EBF}"/>
               </a:ext>
             </a:extLst>
           </p:cNvPr>
@@ -8008,17 +8009,17 @@
           <a:p>
             <a:r>
               <a:rPr lang="en-CA" dirty="0"/>
-              <a:t>1. Computer asks user a riddle.</a:t>
-            </a:r>
-          </a:p>
-        </p:txBody>
-      </p:sp>
-      <p:sp>
-        <p:nvSpPr>
-          <p:cNvPr id="5" name="Text Placeholder 4">
+              <a:t>Let’s build a riddle game!</a:t>
+            </a:r>
+          </a:p>
+        </p:txBody>
+      </p:sp>
+      <p:sp>
+        <p:nvSpPr>
+          <p:cNvPr id="3" name="Content Placeholder 2">
             <a:extLst>
               <a:ext uri="{FF2B5EF4-FFF2-40B4-BE49-F238E27FC236}">
-                <a16:creationId xmlns:a16="http://schemas.microsoft.com/office/drawing/2014/main" id="{FA5ED0DB-7F5B-41D8-A844-EBE4DC010BE9}"/>
+                <a16:creationId xmlns:a16="http://schemas.microsoft.com/office/drawing/2014/main" id="{475869C4-027F-4B2D-960B-323C06982064}"/>
               </a:ext>
             </a:extLst>
           </p:cNvPr>
@@ -8026,7 +8027,7 @@
             <a:spLocks noGrp="1"/>
           </p:cNvSpPr>
           <p:nvPr>
-            <p:ph type="body" sz="half" idx="2"/>
+            <p:ph idx="1"/>
           </p:nvPr>
         </p:nvSpPr>
         <p:spPr/>
@@ -8034,9 +8035,63 @@
           <a:bodyPr/>
           <a:lstStyle/>
           <a:p>
+            <a:pPr marL="514350" indent="-514350">
+              <a:buFont typeface="+mj-lt"/>
+              <a:buAutoNum type="arabicPeriod"/>
+            </a:pPr>
             <a:r>
               <a:rPr lang="en-CA" dirty="0"/>
-              <a:t>We actually already know how to do this!</a:t>
+              <a:t>Computer asks user a riddle.</a:t>
+            </a:r>
+          </a:p>
+          <a:p>
+            <a:pPr marL="514350" indent="-514350">
+              <a:buFont typeface="+mj-lt"/>
+              <a:buAutoNum type="arabicPeriod"/>
+            </a:pPr>
+            <a:r>
+              <a:rPr lang="en-CA" dirty="0"/>
+              <a:t>User inputs an answer.</a:t>
+            </a:r>
+          </a:p>
+          <a:p>
+            <a:pPr marL="514350" indent="-514350">
+              <a:buFont typeface="+mj-lt"/>
+              <a:buAutoNum type="arabicPeriod"/>
+            </a:pPr>
+            <a:r>
+              <a:rPr lang="en-CA" dirty="0"/>
+              <a:t>Computer saves user’s answer to a persistent file.</a:t>
+            </a:r>
+          </a:p>
+          <a:p>
+            <a:pPr marL="514350" indent="-514350">
+              <a:buFont typeface="+mj-lt"/>
+              <a:buAutoNum type="arabicPeriod"/>
+            </a:pPr>
+            <a:r>
+              <a:rPr lang="en-CA" dirty="0"/>
+              <a:t>Computer checks answer against correct answer.</a:t>
+            </a:r>
+          </a:p>
+          <a:p>
+            <a:pPr marL="514350" indent="-514350">
+              <a:buFont typeface="+mj-lt"/>
+              <a:buAutoNum type="arabicPeriod"/>
+            </a:pPr>
+            <a:r>
+              <a:rPr lang="en-CA" dirty="0"/>
+              <a:t>Computer responds with a message letting the user know how they did.</a:t>
+            </a:r>
+          </a:p>
+          <a:p>
+            <a:pPr marL="514350" indent="-514350">
+              <a:buFont typeface="+mj-lt"/>
+              <a:buAutoNum type="arabicPeriod"/>
+            </a:pPr>
+            <a:r>
+              <a:rPr lang="en-CA" dirty="0"/>
+              <a:t>Computer shows past user attempts at the riddle.</a:t>
             </a:r>
           </a:p>
         </p:txBody>
@@ -8044,7 +8099,7 @@
     </p:spTree>
     <p:extLst>
       <p:ext uri="{BB962C8B-B14F-4D97-AF65-F5344CB8AC3E}">
-        <p14:creationId xmlns:p14="http://schemas.microsoft.com/office/powerpoint/2010/main" val="1980650053"/>
+        <p14:creationId xmlns:p14="http://schemas.microsoft.com/office/powerpoint/2010/main" val="3575180853"/>
       </p:ext>
     </p:extLst>
   </p:cSld>
@@ -8085,10 +8140,10 @@
       </p:grpSpPr>
       <p:sp>
         <p:nvSpPr>
-          <p:cNvPr id="4" name="Title 3">
+          <p:cNvPr id="2" name="Title 1">
             <a:extLst>
               <a:ext uri="{FF2B5EF4-FFF2-40B4-BE49-F238E27FC236}">
-                <a16:creationId xmlns:a16="http://schemas.microsoft.com/office/drawing/2014/main" id="{5399E71C-2CED-4291-A927-A0CDC4790A47}"/>
+                <a16:creationId xmlns:a16="http://schemas.microsoft.com/office/drawing/2014/main" id="{4D273717-3B13-4E32-B45E-F74DC56DA338}"/>
               </a:ext>
             </a:extLst>
           </p:cNvPr>
@@ -8106,17 +8161,17 @@
           <a:p>
             <a:r>
               <a:rPr lang="en-CA" dirty="0"/>
-              <a:t>Our Goals Today:</a:t>
-            </a:r>
-          </a:p>
-        </p:txBody>
-      </p:sp>
-      <p:sp>
-        <p:nvSpPr>
-          <p:cNvPr id="7" name="Text Placeholder 6">
+              <a:t>Your favorite mentor</a:t>
+            </a:r>
+          </a:p>
+        </p:txBody>
+      </p:sp>
+      <p:sp>
+        <p:nvSpPr>
+          <p:cNvPr id="3" name="Content Placeholder 2">
             <a:extLst>
               <a:ext uri="{FF2B5EF4-FFF2-40B4-BE49-F238E27FC236}">
-                <a16:creationId xmlns:a16="http://schemas.microsoft.com/office/drawing/2014/main" id="{F262D356-8E64-48CB-B363-969EC905FCEC}"/>
+                <a16:creationId xmlns:a16="http://schemas.microsoft.com/office/drawing/2014/main" id="{C50A69A4-6D64-481A-8C80-A53E2B1584B8}"/>
               </a:ext>
             </a:extLst>
           </p:cNvPr>
@@ -8124,7 +8179,7 @@
             <a:spLocks noGrp="1"/>
           </p:cNvSpPr>
           <p:nvPr>
-            <p:ph type="body" idx="1"/>
+            <p:ph idx="1"/>
           </p:nvPr>
         </p:nvSpPr>
         <p:spPr/>
@@ -8132,21 +8187,27 @@
           <a:bodyPr/>
           <a:lstStyle/>
           <a:p>
-            <a:pPr marL="514350" indent="-514350">
-              <a:buAutoNum type="arabicParenR"/>
-            </a:pPr>
             <a:r>
               <a:rPr lang="en-CA" dirty="0"/>
-              <a:t>Learn some python</a:t>
-            </a:r>
-          </a:p>
-          <a:p>
-            <a:pPr marL="514350" indent="-514350">
-              <a:buAutoNum type="arabicParenR"/>
-            </a:pPr>
+              <a:t>I study…</a:t>
+            </a:r>
+          </a:p>
+          <a:p>
             <a:r>
               <a:rPr lang="en-CA" dirty="0"/>
-              <a:t>Make something cool with it</a:t>
+              <a:t>I work…</a:t>
+            </a:r>
+          </a:p>
+          <a:p>
+            <a:r>
+              <a:rPr lang="en-CA" dirty="0"/>
+              <a:t>I research…</a:t>
+            </a:r>
+          </a:p>
+          <a:p>
+            <a:r>
+              <a:rPr lang="en-CA" dirty="0"/>
+              <a:t>I have been programming since…</a:t>
             </a:r>
           </a:p>
         </p:txBody>
@@ -8154,7 +8215,7 @@
     </p:spTree>
     <p:extLst>
       <p:ext uri="{BB962C8B-B14F-4D97-AF65-F5344CB8AC3E}">
-        <p14:creationId xmlns:p14="http://schemas.microsoft.com/office/powerpoint/2010/main" val="2186566517"/>
+        <p14:creationId xmlns:p14="http://schemas.microsoft.com/office/powerpoint/2010/main" val="4043848554"/>
       </p:ext>
     </p:extLst>
   </p:cSld>
@@ -8249,6 +8310,104 @@
           </a:p>
         </p:txBody>
       </p:sp>
+    </p:spTree>
+    <p:extLst>
+      <p:ext uri="{BB962C8B-B14F-4D97-AF65-F5344CB8AC3E}">
+        <p14:creationId xmlns:p14="http://schemas.microsoft.com/office/powerpoint/2010/main" val="1980650053"/>
+      </p:ext>
+    </p:extLst>
+  </p:cSld>
+  <p:clrMapOvr>
+    <a:masterClrMapping/>
+  </p:clrMapOvr>
+  <mc:AlternateContent xmlns:mc="http://schemas.openxmlformats.org/markup-compatibility/2006" xmlns:p14="http://schemas.microsoft.com/office/powerpoint/2010/main">
+    <mc:Choice Requires="p14">
+      <p:transition spd="med" p14:dur="700">
+        <p:fade/>
+      </p:transition>
+    </mc:Choice>
+    <mc:Fallback xmlns="">
+      <p:transition spd="med">
+        <p:fade/>
+      </p:transition>
+    </mc:Fallback>
+  </mc:AlternateContent>
+</p:sld>
+</file>
+
+<file path=ppt/slides/slide21.xml><?xml version="1.0" encoding="utf-8"?>
+<p:sld xmlns:a="http://schemas.openxmlformats.org/drawingml/2006/main" xmlns:r="http://schemas.openxmlformats.org/officeDocument/2006/relationships" xmlns:p="http://schemas.openxmlformats.org/presentationml/2006/main">
+  <p:cSld>
+    <p:spTree>
+      <p:nvGrpSpPr>
+        <p:cNvPr id="1" name=""/>
+        <p:cNvGrpSpPr/>
+        <p:nvPr/>
+      </p:nvGrpSpPr>
+      <p:grpSpPr>
+        <a:xfrm>
+          <a:off x="0" y="0"/>
+          <a:ext cx="0" cy="0"/>
+          <a:chOff x="0" y="0"/>
+          <a:chExt cx="0" cy="0"/>
+        </a:xfrm>
+      </p:grpSpPr>
+      <p:sp>
+        <p:nvSpPr>
+          <p:cNvPr id="2" name="Title 1">
+            <a:extLst>
+              <a:ext uri="{FF2B5EF4-FFF2-40B4-BE49-F238E27FC236}">
+                <a16:creationId xmlns:a16="http://schemas.microsoft.com/office/drawing/2014/main" id="{A021A12E-7266-4AEC-B6FA-A7C070AADB65}"/>
+              </a:ext>
+            </a:extLst>
+          </p:cNvPr>
+          <p:cNvSpPr>
+            <a:spLocks noGrp="1"/>
+          </p:cNvSpPr>
+          <p:nvPr>
+            <p:ph type="title"/>
+          </p:nvPr>
+        </p:nvSpPr>
+        <p:spPr/>
+        <p:txBody>
+          <a:bodyPr/>
+          <a:lstStyle/>
+          <a:p>
+            <a:r>
+              <a:rPr lang="en-CA" dirty="0"/>
+              <a:t>1. Computer asks user a riddle.</a:t>
+            </a:r>
+          </a:p>
+        </p:txBody>
+      </p:sp>
+      <p:sp>
+        <p:nvSpPr>
+          <p:cNvPr id="5" name="Text Placeholder 4">
+            <a:extLst>
+              <a:ext uri="{FF2B5EF4-FFF2-40B4-BE49-F238E27FC236}">
+                <a16:creationId xmlns:a16="http://schemas.microsoft.com/office/drawing/2014/main" id="{FA5ED0DB-7F5B-41D8-A844-EBE4DC010BE9}"/>
+              </a:ext>
+            </a:extLst>
+          </p:cNvPr>
+          <p:cNvSpPr>
+            <a:spLocks noGrp="1"/>
+          </p:cNvSpPr>
+          <p:nvPr>
+            <p:ph type="body" sz="half" idx="2"/>
+          </p:nvPr>
+        </p:nvSpPr>
+        <p:spPr/>
+        <p:txBody>
+          <a:bodyPr/>
+          <a:lstStyle/>
+          <a:p>
+            <a:r>
+              <a:rPr lang="en-CA" dirty="0"/>
+              <a:t>We actually already know how to do this!</a:t>
+            </a:r>
+          </a:p>
+        </p:txBody>
+      </p:sp>
       <p:sp>
         <p:nvSpPr>
           <p:cNvPr id="7" name="Content Placeholder 4">
@@ -8324,7 +8483,7 @@
 </p:sld>
 </file>
 
-<file path=ppt/slides/slide21.xml><?xml version="1.0" encoding="utf-8"?>
+<file path=ppt/slides/slide22.xml><?xml version="1.0" encoding="utf-8"?>
 <p:sld xmlns:a="http://schemas.openxmlformats.org/drawingml/2006/main" xmlns:r="http://schemas.openxmlformats.org/officeDocument/2006/relationships" xmlns:p="http://schemas.openxmlformats.org/presentationml/2006/main">
   <p:cSld>
     <p:spTree>
@@ -8488,7 +8647,7 @@
 </p:sld>
 </file>
 
-<file path=ppt/slides/slide22.xml><?xml version="1.0" encoding="utf-8"?>
+<file path=ppt/slides/slide23.xml><?xml version="1.0" encoding="utf-8"?>
 <p:sld xmlns:a="http://schemas.openxmlformats.org/drawingml/2006/main" xmlns:r="http://schemas.openxmlformats.org/officeDocument/2006/relationships" xmlns:p="http://schemas.openxmlformats.org/presentationml/2006/main">
   <p:cSld>
     <p:spTree>
@@ -8602,7 +8761,7 @@
 </p:sld>
 </file>
 
-<file path=ppt/slides/slide23.xml><?xml version="1.0" encoding="utf-8"?>
+<file path=ppt/slides/slide24.xml><?xml version="1.0" encoding="utf-8"?>
 <p:sld xmlns:a="http://schemas.openxmlformats.org/drawingml/2006/main" xmlns:r="http://schemas.openxmlformats.org/officeDocument/2006/relationships" xmlns:p="http://schemas.openxmlformats.org/presentationml/2006/main">
   <p:cSld>
     <p:spTree>
@@ -8750,7 +8909,7 @@
 </p:sld>
 </file>
 
-<file path=ppt/slides/slide24.xml><?xml version="1.0" encoding="utf-8"?>
+<file path=ppt/slides/slide25.xml><?xml version="1.0" encoding="utf-8"?>
 <p:sld xmlns:a="http://schemas.openxmlformats.org/drawingml/2006/main" xmlns:r="http://schemas.openxmlformats.org/officeDocument/2006/relationships" xmlns:p="http://schemas.openxmlformats.org/presentationml/2006/main">
   <p:cSld>
     <p:spTree>
@@ -9146,6 +9305,116 @@
           <p:cNvPr id="4" name="Title 3">
             <a:extLst>
               <a:ext uri="{FF2B5EF4-FFF2-40B4-BE49-F238E27FC236}">
+                <a16:creationId xmlns:a16="http://schemas.microsoft.com/office/drawing/2014/main" id="{5399E71C-2CED-4291-A927-A0CDC4790A47}"/>
+              </a:ext>
+            </a:extLst>
+          </p:cNvPr>
+          <p:cNvSpPr>
+            <a:spLocks noGrp="1"/>
+          </p:cNvSpPr>
+          <p:nvPr>
+            <p:ph type="title"/>
+          </p:nvPr>
+        </p:nvSpPr>
+        <p:spPr/>
+        <p:txBody>
+          <a:bodyPr/>
+          <a:lstStyle/>
+          <a:p>
+            <a:r>
+              <a:rPr lang="en-CA" dirty="0"/>
+              <a:t>Our goals for the hour:</a:t>
+            </a:r>
+          </a:p>
+        </p:txBody>
+      </p:sp>
+      <p:sp>
+        <p:nvSpPr>
+          <p:cNvPr id="7" name="Text Placeholder 6">
+            <a:extLst>
+              <a:ext uri="{FF2B5EF4-FFF2-40B4-BE49-F238E27FC236}">
+                <a16:creationId xmlns:a16="http://schemas.microsoft.com/office/drawing/2014/main" id="{F262D356-8E64-48CB-B363-969EC905FCEC}"/>
+              </a:ext>
+            </a:extLst>
+          </p:cNvPr>
+          <p:cNvSpPr>
+            <a:spLocks noGrp="1"/>
+          </p:cNvSpPr>
+          <p:nvPr>
+            <p:ph type="body" idx="1"/>
+          </p:nvPr>
+        </p:nvSpPr>
+        <p:spPr/>
+        <p:txBody>
+          <a:bodyPr/>
+          <a:lstStyle/>
+          <a:p>
+            <a:pPr marL="514350" indent="-514350">
+              <a:buAutoNum type="arabicParenR"/>
+            </a:pPr>
+            <a:r>
+              <a:rPr lang="en-CA" dirty="0"/>
+              <a:t>Learn some python</a:t>
+            </a:r>
+          </a:p>
+          <a:p>
+            <a:pPr marL="514350" indent="-514350">
+              <a:buAutoNum type="arabicParenR"/>
+            </a:pPr>
+            <a:r>
+              <a:rPr lang="en-CA" dirty="0"/>
+              <a:t>Make something cool with it</a:t>
+            </a:r>
+          </a:p>
+        </p:txBody>
+      </p:sp>
+    </p:spTree>
+    <p:extLst>
+      <p:ext uri="{BB962C8B-B14F-4D97-AF65-F5344CB8AC3E}">
+        <p14:creationId xmlns:p14="http://schemas.microsoft.com/office/powerpoint/2010/main" val="2186566517"/>
+      </p:ext>
+    </p:extLst>
+  </p:cSld>
+  <p:clrMapOvr>
+    <a:masterClrMapping/>
+  </p:clrMapOvr>
+  <mc:AlternateContent xmlns:mc="http://schemas.openxmlformats.org/markup-compatibility/2006" xmlns:p14="http://schemas.microsoft.com/office/powerpoint/2010/main">
+    <mc:Choice Requires="p14">
+      <p:transition spd="med" p14:dur="700">
+        <p:fade/>
+      </p:transition>
+    </mc:Choice>
+    <mc:Fallback xmlns="">
+      <p:transition spd="med">
+        <p:fade/>
+      </p:transition>
+    </mc:Fallback>
+  </mc:AlternateContent>
+</p:sld>
+</file>
+
+<file path=ppt/slides/slide4.xml><?xml version="1.0" encoding="utf-8"?>
+<p:sld xmlns:a="http://schemas.openxmlformats.org/drawingml/2006/main" xmlns:r="http://schemas.openxmlformats.org/officeDocument/2006/relationships" xmlns:p="http://schemas.openxmlformats.org/presentationml/2006/main">
+  <p:cSld>
+    <p:spTree>
+      <p:nvGrpSpPr>
+        <p:cNvPr id="1" name=""/>
+        <p:cNvGrpSpPr/>
+        <p:nvPr/>
+      </p:nvGrpSpPr>
+      <p:grpSpPr>
+        <a:xfrm>
+          <a:off x="0" y="0"/>
+          <a:ext cx="0" cy="0"/>
+          <a:chOff x="0" y="0"/>
+          <a:chExt cx="0" cy="0"/>
+        </a:xfrm>
+      </p:grpSpPr>
+      <p:sp>
+        <p:nvSpPr>
+          <p:cNvPr id="4" name="Title 3">
+            <a:extLst>
+              <a:ext uri="{FF2B5EF4-FFF2-40B4-BE49-F238E27FC236}">
                 <a16:creationId xmlns:a16="http://schemas.microsoft.com/office/drawing/2014/main" id="{169D4629-7DC0-4071-A721-706844204963}"/>
               </a:ext>
             </a:extLst>
@@ -9204,24 +9473,35 @@
           </a:p>
         </p:txBody>
       </p:sp>
-      <p:sp>
-        <p:nvSpPr>
-          <p:cNvPr id="5" name="Picture Placeholder 4">
+      <p:pic>
+        <p:nvPicPr>
+          <p:cNvPr id="2" name="Picture Placeholder 1">
             <a:extLst>
               <a:ext uri="{FF2B5EF4-FFF2-40B4-BE49-F238E27FC236}">
-                <a16:creationId xmlns:a16="http://schemas.microsoft.com/office/drawing/2014/main" id="{14726177-AB6C-4BBD-A14E-25660089D27C}"/>
+                <a16:creationId xmlns:a16="http://schemas.microsoft.com/office/drawing/2014/main" id="{4E03DF30-105D-447E-922D-F83E1F918D9F}"/>
               </a:ext>
             </a:extLst>
           </p:cNvPr>
-          <p:cNvSpPr>
-            <a:spLocks noGrp="1"/>
-          </p:cNvSpPr>
+          <p:cNvPicPr>
+            <a:picLocks noGrp="1" noChangeAspect="1"/>
+          </p:cNvPicPr>
           <p:nvPr>
             <p:ph type="pic" idx="1"/>
           </p:nvPr>
-        </p:nvSpPr>
-        <p:spPr/>
-      </p:sp>
+        </p:nvPicPr>
+        <p:blipFill>
+          <a:blip r:embed="rId2"/>
+          <a:srcRect l="1426" r="1426"/>
+          <a:stretch>
+            <a:fillRect/>
+          </a:stretch>
+        </p:blipFill>
+        <p:spPr>
+          <a:prstGeom prst="rect">
+            <a:avLst/>
+          </a:prstGeom>
+        </p:spPr>
+      </p:pic>
     </p:spTree>
     <p:extLst>
       <p:ext uri="{BB962C8B-B14F-4D97-AF65-F5344CB8AC3E}">
@@ -9247,7 +9527,7 @@
 </p:sld>
 </file>
 
-<file path=ppt/slides/slide4.xml><?xml version="1.0" encoding="utf-8"?>
+<file path=ppt/slides/slide5.xml><?xml version="1.0" encoding="utf-8"?>
 <p:sld xmlns:a="http://schemas.openxmlformats.org/drawingml/2006/main" xmlns:r="http://schemas.openxmlformats.org/officeDocument/2006/relationships" xmlns:p="http://schemas.openxmlformats.org/presentationml/2006/main">
   <p:cSld>
     <p:spTree>
@@ -9449,7 +9729,7 @@
 </p:sld>
 </file>
 
-<file path=ppt/slides/slide5.xml><?xml version="1.0" encoding="utf-8"?>
+<file path=ppt/slides/slide6.xml><?xml version="1.0" encoding="utf-8"?>
 <p:sld xmlns:a="http://schemas.openxmlformats.org/drawingml/2006/main" xmlns:r="http://schemas.openxmlformats.org/officeDocument/2006/relationships" xmlns:p="http://schemas.openxmlformats.org/presentationml/2006/main">
   <p:cSld>
     <p:spTree>
@@ -9693,7 +9973,7 @@
 </p:sld>
 </file>
 
-<file path=ppt/slides/slide6.xml><?xml version="1.0" encoding="utf-8"?>
+<file path=ppt/slides/slide7.xml><?xml version="1.0" encoding="utf-8"?>
 <p:sld xmlns:a="http://schemas.openxmlformats.org/drawingml/2006/main" xmlns:r="http://schemas.openxmlformats.org/officeDocument/2006/relationships" xmlns:p="http://schemas.openxmlformats.org/presentationml/2006/main">
   <p:cSld>
     <p:spTree>
@@ -10031,7 +10311,7 @@
             <a:pPr lvl="1"/>
             <a:r>
               <a:rPr lang="en-CA" dirty="0"/>
-              <a:t>Flask 1.0.2</a:t>
+              <a:t>Flask</a:t>
             </a:r>
           </a:p>
           <a:p>
@@ -10145,7 +10425,7 @@
 </p:sld>
 </file>
 
-<file path=ppt/slides/slide7.xml><?xml version="1.0" encoding="utf-8"?>
+<file path=ppt/slides/slide8.xml><?xml version="1.0" encoding="utf-8"?>
 <p:sld xmlns:a="http://schemas.openxmlformats.org/drawingml/2006/main" xmlns:r="http://schemas.openxmlformats.org/officeDocument/2006/relationships" xmlns:p="http://schemas.openxmlformats.org/presentationml/2006/main">
   <p:cSld>
     <p:spTree>
@@ -10623,14 +10903,14 @@
           <a:p>
             <a:r>
               <a:rPr lang="en-CA" dirty="0"/>
-              <a:t>Python </a:t>
+              <a:t>Python 3 </a:t>
             </a:r>
           </a:p>
           <a:p>
             <a:pPr lvl="1"/>
             <a:r>
               <a:rPr lang="en-CA" dirty="0"/>
-              <a:t>Flask 1.0.2</a:t>
+              <a:t>Flask</a:t>
             </a:r>
           </a:p>
           <a:p>
@@ -10666,7 +10946,7 @@
 </p:sld>
 </file>
 
-<file path=ppt/slides/slide8.xml><?xml version="1.0" encoding="utf-8"?>
+<file path=ppt/slides/slide9.xml><?xml version="1.0" encoding="utf-8"?>
 <p:sld xmlns:a="http://schemas.openxmlformats.org/drawingml/2006/main" xmlns:r="http://schemas.openxmlformats.org/officeDocument/2006/relationships" xmlns:p="http://schemas.openxmlformats.org/presentationml/2006/main">
   <p:cSld>
     <p:spTree>
@@ -10888,13 +11168,13 @@
           <a:p>
             <a:r>
               <a:rPr lang="en-CA" dirty="0"/>
-              <a:t>HTML5</a:t>
+              <a:t>HTML</a:t>
             </a:r>
           </a:p>
           <a:p>
             <a:r>
               <a:rPr lang="en-CA" dirty="0"/>
-              <a:t>CSS3</a:t>
+              <a:t>CSS</a:t>
             </a:r>
           </a:p>
           <a:p>
@@ -10902,10 +11182,7 @@
               <a:rPr lang="en-CA" dirty="0" err="1"/>
               <a:t>Javascript</a:t>
             </a:r>
-            <a:r>
-              <a:rPr lang="en-CA" dirty="0"/>
-              <a:t> (ES5)</a:t>
-            </a:r>
+            <a:endParaRPr lang="en-CA" dirty="0"/>
           </a:p>
         </p:txBody>
       </p:sp>
@@ -11207,7 +11484,7 @@
             <a:pPr lvl="1"/>
             <a:r>
               <a:rPr lang="en-CA" dirty="0"/>
-              <a:t>Flask 1.0.2</a:t>
+              <a:t>Flask</a:t>
             </a:r>
           </a:p>
           <a:p>
@@ -11222,104 +11499,6 @@
     <p:extLst>
       <p:ext uri="{BB962C8B-B14F-4D97-AF65-F5344CB8AC3E}">
         <p14:creationId xmlns:p14="http://schemas.microsoft.com/office/powerpoint/2010/main" val="88898210"/>
-      </p:ext>
-    </p:extLst>
-  </p:cSld>
-  <p:clrMapOvr>
-    <a:masterClrMapping/>
-  </p:clrMapOvr>
-  <mc:AlternateContent xmlns:mc="http://schemas.openxmlformats.org/markup-compatibility/2006" xmlns:p14="http://schemas.microsoft.com/office/powerpoint/2010/main">
-    <mc:Choice Requires="p14">
-      <p:transition spd="med" p14:dur="700">
-        <p:fade/>
-      </p:transition>
-    </mc:Choice>
-    <mc:Fallback xmlns="">
-      <p:transition spd="med">
-        <p:fade/>
-      </p:transition>
-    </mc:Fallback>
-  </mc:AlternateContent>
-</p:sld>
-</file>
-
-<file path=ppt/slides/slide9.xml><?xml version="1.0" encoding="utf-8"?>
-<p:sld xmlns:a="http://schemas.openxmlformats.org/drawingml/2006/main" xmlns:r="http://schemas.openxmlformats.org/officeDocument/2006/relationships" xmlns:p="http://schemas.openxmlformats.org/presentationml/2006/main">
-  <p:cSld>
-    <p:spTree>
-      <p:nvGrpSpPr>
-        <p:cNvPr id="1" name=""/>
-        <p:cNvGrpSpPr/>
-        <p:nvPr/>
-      </p:nvGrpSpPr>
-      <p:grpSpPr>
-        <a:xfrm>
-          <a:off x="0" y="0"/>
-          <a:ext cx="0" cy="0"/>
-          <a:chOff x="0" y="0"/>
-          <a:chExt cx="0" cy="0"/>
-        </a:xfrm>
-      </p:grpSpPr>
-      <p:sp>
-        <p:nvSpPr>
-          <p:cNvPr id="9" name="Title 8">
-            <a:extLst>
-              <a:ext uri="{FF2B5EF4-FFF2-40B4-BE49-F238E27FC236}">
-                <a16:creationId xmlns:a16="http://schemas.microsoft.com/office/drawing/2014/main" id="{F3AA9992-6245-4C16-B0A9-7B27AEAE9D3D}"/>
-              </a:ext>
-            </a:extLst>
-          </p:cNvPr>
-          <p:cNvSpPr>
-            <a:spLocks noGrp="1"/>
-          </p:cNvSpPr>
-          <p:nvPr>
-            <p:ph type="title"/>
-          </p:nvPr>
-        </p:nvSpPr>
-        <p:spPr/>
-        <p:txBody>
-          <a:bodyPr/>
-          <a:lstStyle/>
-          <a:p>
-            <a:r>
-              <a:rPr lang="en-CA" dirty="0"/>
-              <a:t>Python 101</a:t>
-            </a:r>
-          </a:p>
-        </p:txBody>
-      </p:sp>
-      <p:sp>
-        <p:nvSpPr>
-          <p:cNvPr id="10" name="Text Placeholder 9">
-            <a:extLst>
-              <a:ext uri="{FF2B5EF4-FFF2-40B4-BE49-F238E27FC236}">
-                <a16:creationId xmlns:a16="http://schemas.microsoft.com/office/drawing/2014/main" id="{40535ABC-1CBC-417A-8E73-9622341D5989}"/>
-              </a:ext>
-            </a:extLst>
-          </p:cNvPr>
-          <p:cNvSpPr>
-            <a:spLocks noGrp="1"/>
-          </p:cNvSpPr>
-          <p:nvPr>
-            <p:ph type="body" idx="1"/>
-          </p:nvPr>
-        </p:nvSpPr>
-        <p:spPr/>
-        <p:txBody>
-          <a:bodyPr/>
-          <a:lstStyle/>
-          <a:p>
-            <a:r>
-              <a:rPr lang="en-CA" dirty="0"/>
-              <a:t>Let’s write some code</a:t>
-            </a:r>
-          </a:p>
-        </p:txBody>
-      </p:sp>
-    </p:spTree>
-    <p:extLst>
-      <p:ext uri="{BB962C8B-B14F-4D97-AF65-F5344CB8AC3E}">
-        <p14:creationId xmlns:p14="http://schemas.microsoft.com/office/powerpoint/2010/main" val="2688464733"/>
       </p:ext>
     </p:extLst>
   </p:cSld>
